--- a/Slide.pptx
+++ b/Slide.pptx
@@ -14,6 +14,8 @@
     <p:sldId id="262" r:id="rId8"/>
     <p:sldId id="260" r:id="rId9"/>
     <p:sldId id="265" r:id="rId10"/>
+    <p:sldId id="266" r:id="rId11"/>
+    <p:sldId id="267" r:id="rId12"/>
   </p:sldIdLst>
   <p:sldSz cx="9144000" cy="6858000" type="screen4x3"/>
   <p:notesSz cx="6858000" cy="9144000"/>
@@ -309,7 +311,7 @@
           <a:p>
             <a:fld id="{2A293084-AAF6-495C-AA7B-C7A5D056003F}" type="datetimeFigureOut">
               <a:rPr lang="vi-VN" smtClean="0"/>
-              <a:t>28/07/2018</a:t>
+              <a:t>02/08/2018</a:t>
             </a:fld>
             <a:endParaRPr lang="vi-VN"/>
           </a:p>
@@ -662,7 +664,7 @@
           <a:p>
             <a:fld id="{2A293084-AAF6-495C-AA7B-C7A5D056003F}" type="datetimeFigureOut">
               <a:rPr lang="vi-VN" smtClean="0"/>
-              <a:t>28/07/2018</a:t>
+              <a:t>02/08/2018</a:t>
             </a:fld>
             <a:endParaRPr lang="vi-VN"/>
           </a:p>
@@ -837,7 +839,7 @@
           <a:p>
             <a:fld id="{2A293084-AAF6-495C-AA7B-C7A5D056003F}" type="datetimeFigureOut">
               <a:rPr lang="vi-VN" smtClean="0"/>
-              <a:t>28/07/2018</a:t>
+              <a:t>02/08/2018</a:t>
             </a:fld>
             <a:endParaRPr lang="vi-VN"/>
           </a:p>
@@ -950,7 +952,7 @@
           <a:p>
             <a:fld id="{2A293084-AAF6-495C-AA7B-C7A5D056003F}" type="datetimeFigureOut">
               <a:rPr lang="vi-VN" smtClean="0"/>
-              <a:t>28/07/2018</a:t>
+              <a:t>02/08/2018</a:t>
             </a:fld>
             <a:endParaRPr lang="vi-VN"/>
           </a:p>
@@ -1308,7 +1310,7 @@
           <a:p>
             <a:fld id="{2A293084-AAF6-495C-AA7B-C7A5D056003F}" type="datetimeFigureOut">
               <a:rPr lang="vi-VN" smtClean="0"/>
-              <a:t>28/07/2018</a:t>
+              <a:t>02/08/2018</a:t>
             </a:fld>
             <a:endParaRPr lang="vi-VN"/>
           </a:p>
@@ -1573,7 +1575,7 @@
           <a:p>
             <a:fld id="{2A293084-AAF6-495C-AA7B-C7A5D056003F}" type="datetimeFigureOut">
               <a:rPr lang="vi-VN" smtClean="0"/>
-              <a:t>28/07/2018</a:t>
+              <a:t>02/08/2018</a:t>
             </a:fld>
             <a:endParaRPr lang="vi-VN"/>
           </a:p>
@@ -1935,7 +1937,7 @@
           <a:p>
             <a:fld id="{2A293084-AAF6-495C-AA7B-C7A5D056003F}" type="datetimeFigureOut">
               <a:rPr lang="vi-VN" smtClean="0"/>
-              <a:t>28/07/2018</a:t>
+              <a:t>02/08/2018</a:t>
             </a:fld>
             <a:endParaRPr lang="vi-VN"/>
           </a:p>
@@ -2162,7 +2164,7 @@
           <a:p>
             <a:fld id="{2A293084-AAF6-495C-AA7B-C7A5D056003F}" type="datetimeFigureOut">
               <a:rPr lang="vi-VN" smtClean="0"/>
-              <a:t>28/07/2018</a:t>
+              <a:t>02/08/2018</a:t>
             </a:fld>
             <a:endParaRPr lang="vi-VN"/>
           </a:p>
@@ -2252,7 +2254,7 @@
           <a:p>
             <a:fld id="{2A293084-AAF6-495C-AA7B-C7A5D056003F}" type="datetimeFigureOut">
               <a:rPr lang="vi-VN" smtClean="0"/>
-              <a:t>28/07/2018</a:t>
+              <a:t>02/08/2018</a:t>
             </a:fld>
             <a:endParaRPr lang="vi-VN"/>
           </a:p>
@@ -2519,7 +2521,7 @@
           <a:p>
             <a:fld id="{2A293084-AAF6-495C-AA7B-C7A5D056003F}" type="datetimeFigureOut">
               <a:rPr lang="vi-VN" smtClean="0"/>
-              <a:t>28/07/2018</a:t>
+              <a:t>02/08/2018</a:t>
             </a:fld>
             <a:endParaRPr lang="vi-VN"/>
           </a:p>
@@ -2747,7 +2749,7 @@
           <a:p>
             <a:fld id="{2A293084-AAF6-495C-AA7B-C7A5D056003F}" type="datetimeFigureOut">
               <a:rPr lang="vi-VN" smtClean="0"/>
-              <a:t>28/07/2018</a:t>
+              <a:t>02/08/2018</a:t>
             </a:fld>
             <a:endParaRPr lang="vi-VN"/>
           </a:p>
@@ -3246,7 +3248,7 @@
           <a:p>
             <a:fld id="{2A293084-AAF6-495C-AA7B-C7A5D056003F}" type="datetimeFigureOut">
               <a:rPr lang="vi-VN" smtClean="0"/>
-              <a:t>28/07/2018</a:t>
+              <a:t>02/08/2018</a:t>
             </a:fld>
             <a:endParaRPr lang="vi-VN"/>
           </a:p>
@@ -3804,6 +3806,208 @@
 </p:sld>
 </file>
 
+<file path=ppt/slides/slide10.xml><?xml version="1.0" encoding="utf-8"?>
+<p:sld xmlns:a="http://schemas.openxmlformats.org/drawingml/2006/main" xmlns:r="http://schemas.openxmlformats.org/officeDocument/2006/relationships" xmlns:p="http://schemas.openxmlformats.org/presentationml/2006/main">
+  <p:cSld>
+    <p:spTree>
+      <p:nvGrpSpPr>
+        <p:cNvPr id="1" name=""/>
+        <p:cNvGrpSpPr/>
+        <p:nvPr/>
+      </p:nvGrpSpPr>
+      <p:grpSpPr>
+        <a:xfrm>
+          <a:off x="0" y="0"/>
+          <a:ext cx="0" cy="0"/>
+          <a:chOff x="0" y="0"/>
+          <a:chExt cx="0" cy="0"/>
+        </a:xfrm>
+      </p:grpSpPr>
+      <p:sp>
+        <p:nvSpPr>
+          <p:cNvPr id="3" name="Content Placeholder 2"/>
+          <p:cNvSpPr>
+            <a:spLocks noGrp="1"/>
+          </p:cNvSpPr>
+          <p:nvPr>
+            <p:ph sz="quarter" idx="1"/>
+          </p:nvPr>
+        </p:nvSpPr>
+        <p:spPr>
+          <a:xfrm>
+            <a:off x="323528" y="476672"/>
+            <a:ext cx="8363272" cy="5543128"/>
+          </a:xfrm>
+        </p:spPr>
+        <p:txBody>
+          <a:bodyPr>
+            <a:normAutofit/>
+          </a:bodyPr>
+          <a:lstStyle/>
+          <a:p>
+            <a:r>
+              <a:rPr lang="vi-VN" b="1" dirty="0"/>
+              <a:t>Other programming concepts</a:t>
+            </a:r>
+          </a:p>
+          <a:p>
+            <a:r>
+              <a:rPr lang="vi-VN" dirty="0"/>
+              <a:t>Angular as an </a:t>
+            </a:r>
+            <a:r>
+              <a:rPr lang="vi-VN" dirty="0" smtClean="0"/>
+              <a:t>MVC-framework</a:t>
+            </a:r>
+            <a:endParaRPr lang="en-US" dirty="0" smtClean="0"/>
+          </a:p>
+          <a:p>
+            <a:r>
+              <a:rPr lang="en-US" dirty="0"/>
+              <a:t>React only has the V </a:t>
+            </a:r>
+            <a:endParaRPr lang="en-US" dirty="0" smtClean="0"/>
+          </a:p>
+          <a:p>
+            <a:endParaRPr lang="en-US" dirty="0"/>
+          </a:p>
+          <a:p>
+            <a:r>
+              <a:rPr lang="vi-VN" b="1" dirty="0"/>
+              <a:t>Size &amp; performance</a:t>
+            </a:r>
+          </a:p>
+          <a:p>
+            <a:r>
+              <a:rPr lang="en-US" dirty="0"/>
+              <a:t>React and </a:t>
+            </a:r>
+            <a:r>
+              <a:rPr lang="en-US" dirty="0" err="1"/>
+              <a:t>Vue</a:t>
+            </a:r>
+            <a:r>
+              <a:rPr lang="en-US" dirty="0"/>
+              <a:t> both have a Virtual DOM , which is supposed to improve performance. </a:t>
+            </a:r>
+          </a:p>
+          <a:p>
+            <a:r>
+              <a:rPr lang="en-US" dirty="0" err="1"/>
+              <a:t>AngularJS</a:t>
+            </a:r>
+            <a:r>
+              <a:rPr lang="en-US" dirty="0"/>
+              <a:t> becomes slow when there are a lot of watchers, because every time anything in the scope changes, all these watchers need to be re-evaluated again</a:t>
+            </a:r>
+            <a:r>
+              <a:rPr lang="en-US" dirty="0"/>
+              <a:t/>
+            </a:r>
+            <a:br>
+              <a:rPr lang="en-US" dirty="0"/>
+            </a:br>
+            <a:endParaRPr lang="vi-VN" dirty="0"/>
+          </a:p>
+        </p:txBody>
+      </p:sp>
+    </p:spTree>
+    <p:extLst>
+      <p:ext uri="{BB962C8B-B14F-4D97-AF65-F5344CB8AC3E}">
+        <p14:creationId xmlns:p14="http://schemas.microsoft.com/office/powerpoint/2010/main" val="3603736138"/>
+      </p:ext>
+    </p:extLst>
+  </p:cSld>
+  <p:clrMapOvr>
+    <a:masterClrMapping/>
+  </p:clrMapOvr>
+</p:sld>
+</file>
+
+<file path=ppt/slides/slide11.xml><?xml version="1.0" encoding="utf-8"?>
+<p:sld xmlns:a="http://schemas.openxmlformats.org/drawingml/2006/main" xmlns:r="http://schemas.openxmlformats.org/officeDocument/2006/relationships" xmlns:p="http://schemas.openxmlformats.org/presentationml/2006/main">
+  <p:cSld>
+    <p:spTree>
+      <p:nvGrpSpPr>
+        <p:cNvPr id="1" name=""/>
+        <p:cNvGrpSpPr/>
+        <p:nvPr/>
+      </p:nvGrpSpPr>
+      <p:grpSpPr>
+        <a:xfrm>
+          <a:off x="0" y="0"/>
+          <a:ext cx="0" cy="0"/>
+          <a:chOff x="0" y="0"/>
+          <a:chExt cx="0" cy="0"/>
+        </a:xfrm>
+      </p:grpSpPr>
+      <p:sp>
+        <p:nvSpPr>
+          <p:cNvPr id="3" name="Content Placeholder 2"/>
+          <p:cNvSpPr>
+            <a:spLocks noGrp="1"/>
+          </p:cNvSpPr>
+          <p:nvPr>
+            <p:ph sz="quarter" idx="1"/>
+          </p:nvPr>
+        </p:nvSpPr>
+        <p:spPr>
+          <a:xfrm>
+            <a:off x="395536" y="476672"/>
+            <a:ext cx="8291264" cy="5543128"/>
+          </a:xfrm>
+        </p:spPr>
+        <p:txBody>
+          <a:bodyPr/>
+          <a:lstStyle/>
+          <a:p>
+            <a:r>
+              <a:rPr lang="vi-VN" b="1" dirty="0" smtClean="0"/>
+              <a:t>Testing</a:t>
+            </a:r>
+          </a:p>
+          <a:p>
+            <a:r>
+              <a:rPr lang="en-US" dirty="0"/>
+              <a:t>Facebook </a:t>
+            </a:r>
+            <a:r>
+              <a:rPr lang="en-US" dirty="0">
+                <a:hlinkClick r:id="rId2"/>
+              </a:rPr>
+              <a:t>uses Jest</a:t>
+            </a:r>
+            <a:r>
+              <a:rPr lang="en-US" dirty="0"/>
+              <a:t> to tests its React </a:t>
+            </a:r>
+            <a:r>
+              <a:rPr lang="en-US" dirty="0" smtClean="0"/>
+              <a:t>code</a:t>
+            </a:r>
+            <a:endParaRPr lang="vi-VN" smtClean="0"/>
+          </a:p>
+          <a:p>
+            <a:endParaRPr lang="vi-VN" b="1" dirty="0"/>
+          </a:p>
+          <a:p>
+            <a:endParaRPr lang="vi-VN" dirty="0"/>
+          </a:p>
+        </p:txBody>
+      </p:sp>
+    </p:spTree>
+    <p:extLst>
+      <p:ext uri="{BB962C8B-B14F-4D97-AF65-F5344CB8AC3E}">
+        <p14:creationId xmlns:p14="http://schemas.microsoft.com/office/powerpoint/2010/main" val="3744756827"/>
+      </p:ext>
+    </p:extLst>
+  </p:cSld>
+  <p:clrMapOvr>
+    <a:masterClrMapping/>
+  </p:clrMapOvr>
+</p:sld>
+</file>
+
 <file path=ppt/slides/slide2.xml><?xml version="1.0" encoding="utf-8"?>
 <p:sld xmlns:a="http://schemas.openxmlformats.org/drawingml/2006/main" xmlns:r="http://schemas.openxmlformats.org/officeDocument/2006/relationships" xmlns:p="http://schemas.openxmlformats.org/presentationml/2006/main">
   <p:cSld>
@@ -3865,9 +4069,6 @@
               </a:rPr>
               <a:t> Comparison</a:t>
             </a:r>
-            <a:endParaRPr lang="en-US" sz="4000" b="1" dirty="0" smtClean="0">
-              <a:latin typeface="Adobe Caslon Pro" pitchFamily="18" charset="0"/>
-            </a:endParaRPr>
           </a:p>
           <a:p>
             <a:r>
@@ -5270,13 +5471,7 @@
               <a:rPr lang="en-US" sz="2800" dirty="0">
                 <a:latin typeface="Adobe Caslon Pro" pitchFamily="18" charset="0"/>
               </a:rPr>
-              <a:t>support </a:t>
-            </a:r>
-            <a:r>
-              <a:rPr lang="en-US" sz="2800" dirty="0">
-                <a:latin typeface="Adobe Caslon Pro" pitchFamily="18" charset="0"/>
-              </a:rPr>
-              <a:t>ES5, ES6, or even </a:t>
+              <a:t>support ES5, ES6, or even </a:t>
             </a:r>
             <a:r>
               <a:rPr lang="en-US" sz="2800" dirty="0" err="1">
@@ -5311,19 +5506,7 @@
               <a:rPr lang="en-US" sz="2800" dirty="0">
                 <a:latin typeface="Adobe Caslon Pro" pitchFamily="18" charset="0"/>
               </a:rPr>
-              <a:t>JSX </a:t>
-            </a:r>
-            <a:r>
-              <a:rPr lang="en-US" sz="2800" dirty="0">
-                <a:latin typeface="Adobe Caslon Pro" pitchFamily="18" charset="0"/>
-              </a:rPr>
-              <a:t>implies that everything in </a:t>
-            </a:r>
-            <a:r>
-              <a:rPr lang="en-US" sz="2800" dirty="0">
-                <a:latin typeface="Adobe Caslon Pro" pitchFamily="18" charset="0"/>
-              </a:rPr>
-              <a:t>React</a:t>
+              <a:t>JSX implies that everything in React</a:t>
             </a:r>
           </a:p>
           <a:p>
@@ -5361,9 +5544,6 @@
               </a:rPr>
               <a:t>)</a:t>
             </a:r>
-            <a:endParaRPr lang="en-US" sz="2800" dirty="0">
-              <a:latin typeface="Adobe Caslon Pro" pitchFamily="18" charset="0"/>
-            </a:endParaRPr>
           </a:p>
           <a:p>
             <a:pPr>
@@ -5389,9 +5569,6 @@
               </a:rPr>
               <a:t>”</a:t>
             </a:r>
-            <a:endParaRPr lang="vi-VN" sz="2800" dirty="0">
-              <a:latin typeface="Adobe Caslon Pro" pitchFamily="18" charset="0"/>
-            </a:endParaRPr>
           </a:p>
           <a:p>
             <a:pPr>
@@ -5446,25 +5623,6 @@
       </p:grpSpPr>
       <p:sp>
         <p:nvSpPr>
-          <p:cNvPr id="2" name="Title 1"/>
-          <p:cNvSpPr>
-            <a:spLocks noGrp="1"/>
-          </p:cNvSpPr>
-          <p:nvPr>
-            <p:ph type="title"/>
-          </p:nvPr>
-        </p:nvSpPr>
-        <p:spPr/>
-        <p:txBody>
-          <a:bodyPr/>
-          <a:lstStyle/>
-          <a:p>
-            <a:endParaRPr lang="vi-VN"/>
-          </a:p>
-        </p:txBody>
-      </p:sp>
-      <p:sp>
-        <p:nvSpPr>
           <p:cNvPr id="3" name="Content Placeholder 2"/>
           <p:cNvSpPr>
             <a:spLocks noGrp="1"/>
@@ -5473,12 +5631,119 @@
             <p:ph sz="quarter" idx="1"/>
           </p:nvPr>
         </p:nvSpPr>
-        <p:spPr/>
-        <p:txBody>
-          <a:bodyPr/>
-          <a:lstStyle/>
-          <a:p>
-            <a:endParaRPr lang="vi-VN"/>
+        <p:spPr>
+          <a:xfrm>
+            <a:off x="323528" y="404664"/>
+            <a:ext cx="8363272" cy="5615136"/>
+          </a:xfrm>
+        </p:spPr>
+        <p:txBody>
+          <a:bodyPr>
+            <a:normAutofit lnSpcReduction="10000"/>
+          </a:bodyPr>
+          <a:lstStyle/>
+          <a:p>
+            <a:r>
+              <a:rPr lang="vi-VN" b="1" dirty="0"/>
+              <a:t>Framework vs. library</a:t>
+            </a:r>
+          </a:p>
+          <a:p>
+            <a:r>
+              <a:rPr lang="vi-VN" dirty="0"/>
+              <a:t>Angular is a </a:t>
+            </a:r>
+            <a:r>
+              <a:rPr lang="vi-VN" dirty="0" smtClean="0"/>
+              <a:t>framework</a:t>
+            </a:r>
+          </a:p>
+          <a:p>
+            <a:r>
+              <a:rPr lang="en-US" dirty="0"/>
+              <a:t>React and </a:t>
+            </a:r>
+            <a:r>
+              <a:rPr lang="en-US" dirty="0" err="1"/>
+              <a:t>Vue</a:t>
+            </a:r>
+            <a:r>
+              <a:rPr lang="en-US" dirty="0"/>
+              <a:t> share many </a:t>
+            </a:r>
+            <a:r>
+              <a:rPr lang="en-US" dirty="0" smtClean="0"/>
+              <a:t>similarities</a:t>
+            </a:r>
+            <a:endParaRPr lang="en-US" dirty="0"/>
+          </a:p>
+          <a:p>
+            <a:pPr marL="514350" indent="-514350">
+              <a:buFont typeface="+mj-lt"/>
+              <a:buAutoNum type="arabicPeriod"/>
+            </a:pPr>
+            <a:r>
+              <a:rPr lang="en-US" dirty="0"/>
+              <a:t>maintain focus in the core library, with concerns such as routing and global state management handled by companion </a:t>
+            </a:r>
+            <a:r>
+              <a:rPr lang="en-US" dirty="0" smtClean="0"/>
+              <a:t>libraries</a:t>
+            </a:r>
+          </a:p>
+          <a:p>
+            <a:pPr marL="0" indent="0">
+              <a:buNone/>
+            </a:pPr>
+            <a:endParaRPr lang="en-US" dirty="0"/>
+          </a:p>
+          <a:p>
+            <a:r>
+              <a:rPr lang="en-US" b="1" dirty="0">
+                <a:hlinkClick r:id="rId2" tooltip="Data binding"/>
+              </a:rPr>
+              <a:t>Data binding</a:t>
+            </a:r>
+            <a:endParaRPr lang="en-US" b="1" dirty="0"/>
+          </a:p>
+          <a:p>
+            <a:r>
+              <a:rPr lang="en-US" dirty="0" err="1"/>
+              <a:t>AngularJS</a:t>
+            </a:r>
+            <a:r>
+              <a:rPr lang="en-US" dirty="0"/>
+              <a:t> uses two-way binding between scopes, while </a:t>
+            </a:r>
+            <a:r>
+              <a:rPr lang="en-US" dirty="0" err="1"/>
+              <a:t>Vue</a:t>
+            </a:r>
+            <a:r>
+              <a:rPr lang="en-US" dirty="0"/>
+              <a:t> enforces a one-way data flow between components. This makes the flow of data easier to reason about in non-trivial applications</a:t>
+            </a:r>
+            <a:r>
+              <a:rPr lang="en-US" dirty="0" smtClean="0"/>
+              <a:t>.</a:t>
+            </a:r>
+          </a:p>
+          <a:p>
+            <a:r>
+              <a:rPr lang="en-US" dirty="0"/>
+              <a:t>React often works bundled with </a:t>
+            </a:r>
+            <a:r>
+              <a:rPr lang="en-US" dirty="0" err="1"/>
+              <a:t>Redux</a:t>
+            </a:r>
+            <a:endParaRPr lang="en-US" dirty="0"/>
+          </a:p>
+          <a:p>
+            <a:pPr marL="0" indent="0">
+              <a:buNone/>
+            </a:pPr>
+            <a:endParaRPr lang="en-US" dirty="0"/>
           </a:p>
         </p:txBody>
       </p:sp>

--- a/Slide.pptx
+++ b/Slide.pptx
@@ -114,7 +114,31 @@
       </a:defRPr>
     </a:lvl9pPr>
   </p:defaultTextStyle>
+  <p:extLst>
+    <p:ext uri="{EFAFB233-063F-42B5-8137-9DF3F51BA10A}">
+      <p15:sldGuideLst xmlns:p15="http://schemas.microsoft.com/office/powerpoint/2012/main">
+        <p15:guide id="1" orient="horz" pos="2160">
+          <p15:clr>
+            <a:srgbClr val="A4A3A4"/>
+          </p15:clr>
+        </p15:guide>
+        <p15:guide id="2" pos="2880">
+          <p15:clr>
+            <a:srgbClr val="A4A3A4"/>
+          </p15:clr>
+        </p15:guide>
+      </p15:sldGuideLst>
+    </p:ext>
+  </p:extLst>
 </p:presentation>
+</file>
+
+<file path=ppt/revisionInfo.xml><?xml version="1.0" encoding="utf-8"?>
+<p1510:revInfo xmlns:a="http://schemas.openxmlformats.org/drawingml/2006/main" xmlns:r="http://schemas.openxmlformats.org/officeDocument/2006/relationships" xmlns:p1510="http://schemas.microsoft.com/office/powerpoint/2015/10/main">
+  <p1510:revLst>
+    <p1510:client id="{9F16DE3C-5623-429B-83A5-A67E01D7EA39}" v="1" dt="2018-08-06T03:42:11.606"/>
+  </p1510:revLst>
+</p1510:revInfo>
 </file>
 
 <file path=ppt/slideLayouts/slideLayout1.xml><?xml version="1.0" encoding="utf-8"?>
@@ -287,10 +311,9 @@
           </a:lstStyle>
           <a:p>
             <a:r>
-              <a:rPr kumimoji="0" lang="en-US" smtClean="0"/>
+              <a:rPr kumimoji="0" lang="en-US"/>
               <a:t>Click to edit Master subtitle style</a:t>
             </a:r>
-            <a:endParaRPr kumimoji="0" lang="en-US"/>
           </a:p>
         </p:txBody>
       </p:sp>
@@ -311,7 +334,7 @@
           <a:p>
             <a:fld id="{2A293084-AAF6-495C-AA7B-C7A5D056003F}" type="datetimeFigureOut">
               <a:rPr lang="vi-VN" smtClean="0"/>
-              <a:t>02/08/2018</a:t>
+              <a:t>06/08/2018</a:t>
             </a:fld>
             <a:endParaRPr lang="vi-VN"/>
           </a:p>
@@ -540,10 +563,9 @@
           </a:lstStyle>
           <a:p>
             <a:r>
-              <a:rPr kumimoji="0" lang="en-US" smtClean="0"/>
+              <a:rPr kumimoji="0" lang="en-US"/>
               <a:t>Click to edit Master title style</a:t>
             </a:r>
-            <a:endParaRPr kumimoji="0" lang="en-US"/>
           </a:p>
         </p:txBody>
       </p:sp>
@@ -588,10 +610,9 @@
           <a:lstStyle/>
           <a:p>
             <a:r>
-              <a:rPr kumimoji="0" lang="en-US" smtClean="0"/>
+              <a:rPr kumimoji="0" lang="en-US"/>
               <a:t>Click to edit Master title style</a:t>
             </a:r>
-            <a:endParaRPr kumimoji="0" lang="en-US"/>
           </a:p>
         </p:txBody>
       </p:sp>
@@ -612,35 +633,35 @@
           <a:p>
             <a:pPr lvl="0" eaLnBrk="1" latinLnBrk="0" hangingPunct="1"/>
             <a:r>
-              <a:rPr lang="en-US" smtClean="0"/>
+              <a:rPr lang="en-US"/>
               <a:t>Click to edit Master text styles</a:t>
             </a:r>
           </a:p>
           <a:p>
             <a:pPr lvl="1" eaLnBrk="1" latinLnBrk="0" hangingPunct="1"/>
             <a:r>
-              <a:rPr lang="en-US" smtClean="0"/>
+              <a:rPr lang="en-US"/>
               <a:t>Second level</a:t>
             </a:r>
           </a:p>
           <a:p>
             <a:pPr lvl="2" eaLnBrk="1" latinLnBrk="0" hangingPunct="1"/>
             <a:r>
-              <a:rPr lang="en-US" smtClean="0"/>
+              <a:rPr lang="en-US"/>
               <a:t>Third level</a:t>
             </a:r>
           </a:p>
           <a:p>
             <a:pPr lvl="3" eaLnBrk="1" latinLnBrk="0" hangingPunct="1"/>
             <a:r>
-              <a:rPr lang="en-US" smtClean="0"/>
+              <a:rPr lang="en-US"/>
               <a:t>Fourth level</a:t>
             </a:r>
           </a:p>
           <a:p>
             <a:pPr lvl="4" eaLnBrk="1" latinLnBrk="0" hangingPunct="1"/>
             <a:r>
-              <a:rPr lang="en-US" smtClean="0"/>
+              <a:rPr lang="en-US"/>
               <a:t>Fifth level</a:t>
             </a:r>
             <a:endParaRPr kumimoji="0" lang="en-US"/>
@@ -664,7 +685,7 @@
           <a:p>
             <a:fld id="{2A293084-AAF6-495C-AA7B-C7A5D056003F}" type="datetimeFigureOut">
               <a:rPr lang="vi-VN" smtClean="0"/>
-              <a:t>02/08/2018</a:t>
+              <a:t>06/08/2018</a:t>
             </a:fld>
             <a:endParaRPr lang="vi-VN"/>
           </a:p>
@@ -758,10 +779,9 @@
           <a:lstStyle/>
           <a:p>
             <a:r>
-              <a:rPr kumimoji="0" lang="en-US" smtClean="0"/>
+              <a:rPr kumimoji="0" lang="en-US"/>
               <a:t>Click to edit Master title style</a:t>
             </a:r>
-            <a:endParaRPr kumimoji="0" lang="en-US"/>
           </a:p>
         </p:txBody>
       </p:sp>
@@ -787,35 +807,35 @@
           <a:p>
             <a:pPr lvl="0" eaLnBrk="1" latinLnBrk="0" hangingPunct="1"/>
             <a:r>
-              <a:rPr lang="en-US" smtClean="0"/>
+              <a:rPr lang="en-US"/>
               <a:t>Click to edit Master text styles</a:t>
             </a:r>
           </a:p>
           <a:p>
             <a:pPr lvl="1" eaLnBrk="1" latinLnBrk="0" hangingPunct="1"/>
             <a:r>
-              <a:rPr lang="en-US" smtClean="0"/>
+              <a:rPr lang="en-US"/>
               <a:t>Second level</a:t>
             </a:r>
           </a:p>
           <a:p>
             <a:pPr lvl="2" eaLnBrk="1" latinLnBrk="0" hangingPunct="1"/>
             <a:r>
-              <a:rPr lang="en-US" smtClean="0"/>
+              <a:rPr lang="en-US"/>
               <a:t>Third level</a:t>
             </a:r>
           </a:p>
           <a:p>
             <a:pPr lvl="3" eaLnBrk="1" latinLnBrk="0" hangingPunct="1"/>
             <a:r>
-              <a:rPr lang="en-US" smtClean="0"/>
+              <a:rPr lang="en-US"/>
               <a:t>Fourth level</a:t>
             </a:r>
           </a:p>
           <a:p>
             <a:pPr lvl="4" eaLnBrk="1" latinLnBrk="0" hangingPunct="1"/>
             <a:r>
-              <a:rPr lang="en-US" smtClean="0"/>
+              <a:rPr lang="en-US"/>
               <a:t>Fifth level</a:t>
             </a:r>
             <a:endParaRPr kumimoji="0" lang="en-US"/>
@@ -839,7 +859,7 @@
           <a:p>
             <a:fld id="{2A293084-AAF6-495C-AA7B-C7A5D056003F}" type="datetimeFigureOut">
               <a:rPr lang="vi-VN" smtClean="0"/>
-              <a:t>02/08/2018</a:t>
+              <a:t>06/08/2018</a:t>
             </a:fld>
             <a:endParaRPr lang="vi-VN"/>
           </a:p>
@@ -928,10 +948,9 @@
           <a:lstStyle/>
           <a:p>
             <a:r>
-              <a:rPr kumimoji="0" lang="en-US" smtClean="0"/>
+              <a:rPr kumimoji="0" lang="en-US"/>
               <a:t>Click to edit Master title style</a:t>
             </a:r>
-            <a:endParaRPr kumimoji="0" lang="en-US"/>
           </a:p>
         </p:txBody>
       </p:sp>
@@ -952,7 +971,7 @@
           <a:p>
             <a:fld id="{2A293084-AAF6-495C-AA7B-C7A5D056003F}" type="datetimeFigureOut">
               <a:rPr lang="vi-VN" smtClean="0"/>
-              <a:t>02/08/2018</a:t>
+              <a:t>06/08/2018</a:t>
             </a:fld>
             <a:endParaRPr lang="vi-VN"/>
           </a:p>
@@ -1022,35 +1041,35 @@
           <a:p>
             <a:pPr lvl="0" eaLnBrk="1" latinLnBrk="0" hangingPunct="1"/>
             <a:r>
-              <a:rPr lang="en-US" smtClean="0"/>
+              <a:rPr lang="en-US"/>
               <a:t>Click to edit Master text styles</a:t>
             </a:r>
           </a:p>
           <a:p>
             <a:pPr lvl="1" eaLnBrk="1" latinLnBrk="0" hangingPunct="1"/>
             <a:r>
-              <a:rPr lang="en-US" smtClean="0"/>
+              <a:rPr lang="en-US"/>
               <a:t>Second level</a:t>
             </a:r>
           </a:p>
           <a:p>
             <a:pPr lvl="2" eaLnBrk="1" latinLnBrk="0" hangingPunct="1"/>
             <a:r>
-              <a:rPr lang="en-US" smtClean="0"/>
+              <a:rPr lang="en-US"/>
               <a:t>Third level</a:t>
             </a:r>
           </a:p>
           <a:p>
             <a:pPr lvl="3" eaLnBrk="1" latinLnBrk="0" hangingPunct="1"/>
             <a:r>
-              <a:rPr lang="en-US" smtClean="0"/>
+              <a:rPr lang="en-US"/>
               <a:t>Fourth level</a:t>
             </a:r>
           </a:p>
           <a:p>
             <a:pPr lvl="4" eaLnBrk="1" latinLnBrk="0" hangingPunct="1"/>
             <a:r>
-              <a:rPr lang="en-US" smtClean="0"/>
+              <a:rPr lang="en-US"/>
               <a:t>Fifth level</a:t>
             </a:r>
             <a:endParaRPr kumimoji="0" lang="en-US"/>
@@ -1207,10 +1226,9 @@
           </a:lstStyle>
           <a:p>
             <a:r>
-              <a:rPr kumimoji="0" lang="en-US" smtClean="0"/>
+              <a:rPr kumimoji="0" lang="en-US"/>
               <a:t>Click to edit Master title style</a:t>
             </a:r>
-            <a:endParaRPr kumimoji="0" lang="en-US"/>
           </a:p>
         </p:txBody>
       </p:sp>
@@ -1287,7 +1305,7 @@
           <a:p>
             <a:pPr lvl="0" eaLnBrk="1" latinLnBrk="0" hangingPunct="1"/>
             <a:r>
-              <a:rPr kumimoji="0" lang="en-US" smtClean="0"/>
+              <a:rPr kumimoji="0" lang="en-US"/>
               <a:t>Click to edit Master text styles</a:t>
             </a:r>
           </a:p>
@@ -1310,7 +1328,7 @@
           <a:p>
             <a:fld id="{2A293084-AAF6-495C-AA7B-C7A5D056003F}" type="datetimeFigureOut">
               <a:rPr lang="vi-VN" smtClean="0"/>
-              <a:t>02/08/2018</a:t>
+              <a:t>06/08/2018</a:t>
             </a:fld>
             <a:endParaRPr lang="vi-VN"/>
           </a:p>
@@ -1551,10 +1569,9 @@
           <a:lstStyle/>
           <a:p>
             <a:r>
-              <a:rPr kumimoji="0" lang="en-US" smtClean="0"/>
+              <a:rPr kumimoji="0" lang="en-US"/>
               <a:t>Click to edit Master title style</a:t>
             </a:r>
-            <a:endParaRPr kumimoji="0" lang="en-US"/>
           </a:p>
         </p:txBody>
       </p:sp>
@@ -1575,7 +1592,7 @@
           <a:p>
             <a:fld id="{2A293084-AAF6-495C-AA7B-C7A5D056003F}" type="datetimeFigureOut">
               <a:rPr lang="vi-VN" smtClean="0"/>
-              <a:t>02/08/2018</a:t>
+              <a:t>06/08/2018</a:t>
             </a:fld>
             <a:endParaRPr lang="vi-VN"/>
           </a:p>
@@ -1645,35 +1662,35 @@
           <a:p>
             <a:pPr lvl="0" eaLnBrk="1" latinLnBrk="0" hangingPunct="1"/>
             <a:r>
-              <a:rPr lang="en-US" smtClean="0"/>
+              <a:rPr lang="en-US"/>
               <a:t>Click to edit Master text styles</a:t>
             </a:r>
           </a:p>
           <a:p>
             <a:pPr lvl="1" eaLnBrk="1" latinLnBrk="0" hangingPunct="1"/>
             <a:r>
-              <a:rPr lang="en-US" smtClean="0"/>
+              <a:rPr lang="en-US"/>
               <a:t>Second level</a:t>
             </a:r>
           </a:p>
           <a:p>
             <a:pPr lvl="2" eaLnBrk="1" latinLnBrk="0" hangingPunct="1"/>
             <a:r>
-              <a:rPr lang="en-US" smtClean="0"/>
+              <a:rPr lang="en-US"/>
               <a:t>Third level</a:t>
             </a:r>
           </a:p>
           <a:p>
             <a:pPr lvl="3" eaLnBrk="1" latinLnBrk="0" hangingPunct="1"/>
             <a:r>
-              <a:rPr lang="en-US" smtClean="0"/>
+              <a:rPr lang="en-US"/>
               <a:t>Fourth level</a:t>
             </a:r>
           </a:p>
           <a:p>
             <a:pPr lvl="4" eaLnBrk="1" latinLnBrk="0" hangingPunct="1"/>
             <a:r>
-              <a:rPr lang="en-US" smtClean="0"/>
+              <a:rPr lang="en-US"/>
               <a:t>Fifth level</a:t>
             </a:r>
             <a:endParaRPr kumimoji="0" lang="en-US"/>
@@ -1702,35 +1719,35 @@
           <a:p>
             <a:pPr lvl="0" eaLnBrk="1" latinLnBrk="0" hangingPunct="1"/>
             <a:r>
-              <a:rPr lang="en-US" smtClean="0"/>
+              <a:rPr lang="en-US"/>
               <a:t>Click to edit Master text styles</a:t>
             </a:r>
           </a:p>
           <a:p>
             <a:pPr lvl="1" eaLnBrk="1" latinLnBrk="0" hangingPunct="1"/>
             <a:r>
-              <a:rPr lang="en-US" smtClean="0"/>
+              <a:rPr lang="en-US"/>
               <a:t>Second level</a:t>
             </a:r>
           </a:p>
           <a:p>
             <a:pPr lvl="2" eaLnBrk="1" latinLnBrk="0" hangingPunct="1"/>
             <a:r>
-              <a:rPr lang="en-US" smtClean="0"/>
+              <a:rPr lang="en-US"/>
               <a:t>Third level</a:t>
             </a:r>
           </a:p>
           <a:p>
             <a:pPr lvl="3" eaLnBrk="1" latinLnBrk="0" hangingPunct="1"/>
             <a:r>
-              <a:rPr lang="en-US" smtClean="0"/>
+              <a:rPr lang="en-US"/>
               <a:t>Fourth level</a:t>
             </a:r>
           </a:p>
           <a:p>
             <a:pPr lvl="4" eaLnBrk="1" latinLnBrk="0" hangingPunct="1"/>
             <a:r>
-              <a:rPr lang="en-US" smtClean="0"/>
+              <a:rPr lang="en-US"/>
               <a:t>Fifth level</a:t>
             </a:r>
             <a:endParaRPr kumimoji="0" lang="en-US"/>
@@ -1787,10 +1804,9 @@
           </a:lstStyle>
           <a:p>
             <a:r>
-              <a:rPr kumimoji="0" lang="en-US" smtClean="0"/>
+              <a:rPr kumimoji="0" lang="en-US"/>
               <a:t>Click to edit Master title style</a:t>
             </a:r>
-            <a:endParaRPr kumimoji="0" lang="en-US"/>
           </a:p>
         </p:txBody>
       </p:sp>
@@ -1851,7 +1867,7 @@
           <a:p>
             <a:pPr lvl="0" eaLnBrk="1" latinLnBrk="0" hangingPunct="1"/>
             <a:r>
-              <a:rPr kumimoji="0" lang="en-US" smtClean="0"/>
+              <a:rPr kumimoji="0" lang="en-US"/>
               <a:t>Click to edit Master text styles</a:t>
             </a:r>
           </a:p>
@@ -1914,7 +1930,7 @@
           <a:p>
             <a:pPr lvl="0" eaLnBrk="1" latinLnBrk="0" hangingPunct="1"/>
             <a:r>
-              <a:rPr kumimoji="0" lang="en-US" smtClean="0"/>
+              <a:rPr kumimoji="0" lang="en-US"/>
               <a:t>Click to edit Master text styles</a:t>
             </a:r>
           </a:p>
@@ -1937,7 +1953,7 @@
           <a:p>
             <a:fld id="{2A293084-AAF6-495C-AA7B-C7A5D056003F}" type="datetimeFigureOut">
               <a:rPr lang="vi-VN" smtClean="0"/>
-              <a:t>02/08/2018</a:t>
+              <a:t>06/08/2018</a:t>
             </a:fld>
             <a:endParaRPr lang="vi-VN"/>
           </a:p>
@@ -2007,35 +2023,35 @@
           <a:p>
             <a:pPr lvl="0" eaLnBrk="1" latinLnBrk="0" hangingPunct="1"/>
             <a:r>
-              <a:rPr lang="en-US" smtClean="0"/>
+              <a:rPr lang="en-US"/>
               <a:t>Click to edit Master text styles</a:t>
             </a:r>
           </a:p>
           <a:p>
             <a:pPr lvl="1" eaLnBrk="1" latinLnBrk="0" hangingPunct="1"/>
             <a:r>
-              <a:rPr lang="en-US" smtClean="0"/>
+              <a:rPr lang="en-US"/>
               <a:t>Second level</a:t>
             </a:r>
           </a:p>
           <a:p>
             <a:pPr lvl="2" eaLnBrk="1" latinLnBrk="0" hangingPunct="1"/>
             <a:r>
-              <a:rPr lang="en-US" smtClean="0"/>
+              <a:rPr lang="en-US"/>
               <a:t>Third level</a:t>
             </a:r>
           </a:p>
           <a:p>
             <a:pPr lvl="3" eaLnBrk="1" latinLnBrk="0" hangingPunct="1"/>
             <a:r>
-              <a:rPr lang="en-US" smtClean="0"/>
+              <a:rPr lang="en-US"/>
               <a:t>Fourth level</a:t>
             </a:r>
           </a:p>
           <a:p>
             <a:pPr lvl="4" eaLnBrk="1" latinLnBrk="0" hangingPunct="1"/>
             <a:r>
-              <a:rPr lang="en-US" smtClean="0"/>
+              <a:rPr lang="en-US"/>
               <a:t>Fifth level</a:t>
             </a:r>
             <a:endParaRPr kumimoji="0" lang="en-US"/>
@@ -2064,35 +2080,35 @@
           <a:p>
             <a:pPr lvl="0" eaLnBrk="1" latinLnBrk="0" hangingPunct="1"/>
             <a:r>
-              <a:rPr lang="en-US" smtClean="0"/>
+              <a:rPr lang="en-US"/>
               <a:t>Click to edit Master text styles</a:t>
             </a:r>
           </a:p>
           <a:p>
             <a:pPr lvl="1" eaLnBrk="1" latinLnBrk="0" hangingPunct="1"/>
             <a:r>
-              <a:rPr lang="en-US" smtClean="0"/>
+              <a:rPr lang="en-US"/>
               <a:t>Second level</a:t>
             </a:r>
           </a:p>
           <a:p>
             <a:pPr lvl="2" eaLnBrk="1" latinLnBrk="0" hangingPunct="1"/>
             <a:r>
-              <a:rPr lang="en-US" smtClean="0"/>
+              <a:rPr lang="en-US"/>
               <a:t>Third level</a:t>
             </a:r>
           </a:p>
           <a:p>
             <a:pPr lvl="3" eaLnBrk="1" latinLnBrk="0" hangingPunct="1"/>
             <a:r>
-              <a:rPr lang="en-US" smtClean="0"/>
+              <a:rPr lang="en-US"/>
               <a:t>Fourth level</a:t>
             </a:r>
           </a:p>
           <a:p>
             <a:pPr lvl="4" eaLnBrk="1" latinLnBrk="0" hangingPunct="1"/>
             <a:r>
-              <a:rPr lang="en-US" smtClean="0"/>
+              <a:rPr lang="en-US"/>
               <a:t>Fifth level</a:t>
             </a:r>
             <a:endParaRPr kumimoji="0" lang="en-US"/>
@@ -2140,10 +2156,9 @@
           <a:lstStyle/>
           <a:p>
             <a:r>
-              <a:rPr kumimoji="0" lang="en-US" smtClean="0"/>
+              <a:rPr kumimoji="0" lang="en-US"/>
               <a:t>Click to edit Master title style</a:t>
             </a:r>
-            <a:endParaRPr kumimoji="0" lang="en-US"/>
           </a:p>
         </p:txBody>
       </p:sp>
@@ -2164,7 +2179,7 @@
           <a:p>
             <a:fld id="{2A293084-AAF6-495C-AA7B-C7A5D056003F}" type="datetimeFigureOut">
               <a:rPr lang="vi-VN" smtClean="0"/>
-              <a:t>02/08/2018</a:t>
+              <a:t>06/08/2018</a:t>
             </a:fld>
             <a:endParaRPr lang="vi-VN"/>
           </a:p>
@@ -2254,7 +2269,7 @@
           <a:p>
             <a:fld id="{2A293084-AAF6-495C-AA7B-C7A5D056003F}" type="datetimeFigureOut">
               <a:rPr lang="vi-VN" smtClean="0"/>
-              <a:t>02/08/2018</a:t>
+              <a:t>06/08/2018</a:t>
             </a:fld>
             <a:endParaRPr lang="vi-VN"/>
           </a:p>
@@ -2448,10 +2463,9 @@
           </a:lstStyle>
           <a:p>
             <a:r>
-              <a:rPr kumimoji="0" lang="en-US" smtClean="0"/>
+              <a:rPr kumimoji="0" lang="en-US"/>
               <a:t>Click to edit Master title style</a:t>
             </a:r>
-            <a:endParaRPr kumimoji="0" lang="en-US"/>
           </a:p>
         </p:txBody>
       </p:sp>
@@ -2498,7 +2512,7 @@
           <a:p>
             <a:pPr lvl="0" eaLnBrk="1" latinLnBrk="0" hangingPunct="1"/>
             <a:r>
-              <a:rPr kumimoji="0" lang="en-US" smtClean="0"/>
+              <a:rPr kumimoji="0" lang="en-US"/>
               <a:t>Click to edit Master text styles</a:t>
             </a:r>
           </a:p>
@@ -2521,7 +2535,7 @@
           <a:p>
             <a:fld id="{2A293084-AAF6-495C-AA7B-C7A5D056003F}" type="datetimeFigureOut">
               <a:rPr lang="vi-VN" smtClean="0"/>
-              <a:t>02/08/2018</a:t>
+              <a:t>06/08/2018</a:t>
             </a:fld>
             <a:endParaRPr lang="vi-VN"/>
           </a:p>
@@ -2591,35 +2605,35 @@
           <a:p>
             <a:pPr lvl="0" eaLnBrk="1" latinLnBrk="0" hangingPunct="1"/>
             <a:r>
-              <a:rPr lang="en-US" smtClean="0"/>
+              <a:rPr lang="en-US"/>
               <a:t>Click to edit Master text styles</a:t>
             </a:r>
           </a:p>
           <a:p>
             <a:pPr lvl="1" eaLnBrk="1" latinLnBrk="0" hangingPunct="1"/>
             <a:r>
-              <a:rPr lang="en-US" smtClean="0"/>
+              <a:rPr lang="en-US"/>
               <a:t>Second level</a:t>
             </a:r>
           </a:p>
           <a:p>
             <a:pPr lvl="2" eaLnBrk="1" latinLnBrk="0" hangingPunct="1"/>
             <a:r>
-              <a:rPr lang="en-US" smtClean="0"/>
+              <a:rPr lang="en-US"/>
               <a:t>Third level</a:t>
             </a:r>
           </a:p>
           <a:p>
             <a:pPr lvl="3" eaLnBrk="1" latinLnBrk="0" hangingPunct="1"/>
             <a:r>
-              <a:rPr lang="en-US" smtClean="0"/>
+              <a:rPr lang="en-US"/>
               <a:t>Fourth level</a:t>
             </a:r>
           </a:p>
           <a:p>
             <a:pPr lvl="4" eaLnBrk="1" latinLnBrk="0" hangingPunct="1"/>
             <a:r>
-              <a:rPr lang="en-US" smtClean="0"/>
+              <a:rPr lang="en-US"/>
               <a:t>Fifth level</a:t>
             </a:r>
             <a:endParaRPr kumimoji="0" lang="en-US"/>
@@ -2679,10 +2693,9 @@
           </a:lstStyle>
           <a:p>
             <a:r>
-              <a:rPr kumimoji="0" lang="en-US" smtClean="0"/>
+              <a:rPr kumimoji="0" lang="en-US"/>
               <a:t>Click to edit Master title style</a:t>
             </a:r>
-            <a:endParaRPr kumimoji="0" lang="en-US"/>
           </a:p>
         </p:txBody>
       </p:sp>
@@ -2726,7 +2739,7 @@
           <a:p>
             <a:pPr lvl="0" eaLnBrk="1" latinLnBrk="0" hangingPunct="1"/>
             <a:r>
-              <a:rPr kumimoji="0" lang="en-US" smtClean="0"/>
+              <a:rPr kumimoji="0" lang="en-US"/>
               <a:t>Click to edit Master text styles</a:t>
             </a:r>
           </a:p>
@@ -2749,7 +2762,7 @@
           <a:p>
             <a:fld id="{2A293084-AAF6-495C-AA7B-C7A5D056003F}" type="datetimeFigureOut">
               <a:rPr lang="vi-VN" smtClean="0"/>
-              <a:t>02/08/2018</a:t>
+              <a:t>06/08/2018</a:t>
             </a:fld>
             <a:endParaRPr lang="vi-VN"/>
           </a:p>
@@ -2989,7 +3002,7 @@
           </a:lstStyle>
           <a:p>
             <a:r>
-              <a:rPr kumimoji="0" lang="en-US" smtClean="0"/>
+              <a:rPr kumimoji="0" lang="en-US"/>
               <a:t>Click icon to add picture</a:t>
             </a:r>
             <a:endParaRPr kumimoji="0" lang="en-US" dirty="0"/>
@@ -3146,10 +3159,9 @@
           <a:lstStyle/>
           <a:p>
             <a:r>
-              <a:rPr kumimoji="0" lang="en-US" smtClean="0"/>
+              <a:rPr kumimoji="0" lang="en-US"/>
               <a:t>Click to edit Master title style</a:t>
             </a:r>
-            <a:endParaRPr kumimoji="0" lang="en-US"/>
           </a:p>
         </p:txBody>
       </p:sp>
@@ -3180,38 +3192,37 @@
           <a:p>
             <a:pPr lvl="0" eaLnBrk="1" latinLnBrk="0" hangingPunct="1"/>
             <a:r>
-              <a:rPr kumimoji="0" lang="en-US" smtClean="0"/>
+              <a:rPr kumimoji="0" lang="en-US"/>
               <a:t>Click to edit Master text styles</a:t>
             </a:r>
           </a:p>
           <a:p>
             <a:pPr lvl="1" eaLnBrk="1" latinLnBrk="0" hangingPunct="1"/>
             <a:r>
-              <a:rPr kumimoji="0" lang="en-US" smtClean="0"/>
+              <a:rPr kumimoji="0" lang="en-US"/>
               <a:t>Second level</a:t>
             </a:r>
           </a:p>
           <a:p>
             <a:pPr lvl="2" eaLnBrk="1" latinLnBrk="0" hangingPunct="1"/>
             <a:r>
-              <a:rPr kumimoji="0" lang="en-US" smtClean="0"/>
+              <a:rPr kumimoji="0" lang="en-US"/>
               <a:t>Third level</a:t>
             </a:r>
           </a:p>
           <a:p>
             <a:pPr lvl="3" eaLnBrk="1" latinLnBrk="0" hangingPunct="1"/>
             <a:r>
-              <a:rPr kumimoji="0" lang="en-US" smtClean="0"/>
+              <a:rPr kumimoji="0" lang="en-US"/>
               <a:t>Fourth level</a:t>
             </a:r>
           </a:p>
           <a:p>
             <a:pPr lvl="4" eaLnBrk="1" latinLnBrk="0" hangingPunct="1"/>
             <a:r>
-              <a:rPr kumimoji="0" lang="en-US" smtClean="0"/>
+              <a:rPr kumimoji="0" lang="en-US"/>
               <a:t>Fifth level</a:t>
             </a:r>
-            <a:endParaRPr kumimoji="0" lang="en-US"/>
           </a:p>
         </p:txBody>
       </p:sp>
@@ -3248,7 +3259,7 @@
           <a:p>
             <a:fld id="{2A293084-AAF6-495C-AA7B-C7A5D056003F}" type="datetimeFigureOut">
               <a:rPr lang="vi-VN" smtClean="0"/>
-              <a:t>02/08/2018</a:t>
+              <a:t>06/08/2018</a:t>
             </a:fld>
             <a:endParaRPr lang="vi-VN"/>
           </a:p>
@@ -3739,16 +3750,15 @@
           <a:lstStyle/>
           <a:p>
             <a:r>
-              <a:rPr lang="vi-VN" b="1" dirty="0" smtClean="0"/>
+              <a:rPr lang="vi-VN" b="1" dirty="0"/>
               <a:t>Author: Duoc Vo</a:t>
             </a:r>
           </a:p>
           <a:p>
             <a:r>
-              <a:rPr lang="vi-VN" b="1" dirty="0" smtClean="0"/>
+              <a:rPr lang="vi-VN" b="1" dirty="0"/>
               <a:t>Email: voquocduoc@gmail.com</a:t>
             </a:r>
-            <a:endParaRPr lang="vi-VN" b="1" dirty="0"/>
           </a:p>
         </p:txBody>
       </p:sp>
@@ -3776,11 +3786,7 @@
           <a:p>
             <a:r>
               <a:rPr lang="vi-VN" b="1" dirty="0"/>
-              <a:t>Angular vs. React vs. </a:t>
-            </a:r>
-            <a:r>
-              <a:rPr lang="vi-VN" b="1" dirty="0" smtClean="0"/>
-              <a:t>Vue comparison</a:t>
+              <a:t>Angular vs. React vs. Vue comparison</a:t>
             </a:r>
             <a:endParaRPr lang="vi-VN" dirty="0"/>
           </a:p>
@@ -3796,13 +3802,6 @@
   <p:clrMapOvr>
     <a:masterClrMapping/>
   </p:clrMapOvr>
-  <p:timing>
-    <p:tnLst>
-      <p:par>
-        <p:cTn id="1" dur="indefinite" restart="never" nodeType="tmRoot"/>
-      </p:par>
-    </p:tnLst>
-  </p:timing>
 </p:sld>
 </file>
 
@@ -3840,74 +3839,132 @@
           </a:xfrm>
         </p:spPr>
         <p:txBody>
-          <a:bodyPr>
+          <a:bodyPr vert="horz" anchor="t">
             <a:normAutofit/>
           </a:bodyPr>
           <a:lstStyle/>
           <a:p>
+            <a:pPr marL="0" indent="0">
+              <a:buNone/>
+            </a:pPr>
             <a:r>
               <a:rPr lang="vi-VN" b="1" dirty="0"/>
               <a:t>Other programming concepts</a:t>
             </a:r>
-          </a:p>
-          <a:p>
-            <a:r>
-              <a:rPr lang="vi-VN" dirty="0"/>
-              <a:t>Angular as an </a:t>
-            </a:r>
-            <a:r>
-              <a:rPr lang="vi-VN" dirty="0" smtClean="0"/>
-              <a:t>MVC-framework</a:t>
-            </a:r>
-            <a:endParaRPr lang="en-US" dirty="0" smtClean="0"/>
-          </a:p>
-          <a:p>
-            <a:r>
-              <a:rPr lang="en-US" dirty="0"/>
-              <a:t>React only has the V </a:t>
-            </a:r>
-            <a:endParaRPr lang="en-US" dirty="0" smtClean="0"/>
-          </a:p>
-          <a:p>
-            <a:endParaRPr lang="en-US" dirty="0"/>
-          </a:p>
-          <a:p>
+            <a:endParaRPr lang="en-US"/>
+          </a:p>
+          <a:p>
+            <a:pPr marL="0" indent="0">
+              <a:buNone/>
+            </a:pPr>
+            <a:r>
+              <a:rPr lang="vi-VN" dirty="0">
+                <a:latin typeface="Adobe Caslon Pro"/>
+              </a:rPr>
+              <a:t>- </a:t>
+            </a:r>
+            <a:r>
+              <a:rPr lang="vi-VN" dirty="0" err="1">
+                <a:latin typeface="Adobe Caslon Pro"/>
+              </a:rPr>
+              <a:t>Angular</a:t>
+            </a:r>
+            <a:r>
+              <a:rPr lang="vi-VN" dirty="0">
+                <a:latin typeface="Adobe Caslon Pro"/>
+              </a:rPr>
+              <a:t> </a:t>
+            </a:r>
+            <a:r>
+              <a:rPr lang="vi-VN" dirty="0" err="1">
+                <a:latin typeface="Adobe Caslon Pro"/>
+              </a:rPr>
+              <a:t>as</a:t>
+            </a:r>
+            <a:r>
+              <a:rPr lang="vi-VN" dirty="0">
+                <a:latin typeface="Adobe Caslon Pro"/>
+              </a:rPr>
+              <a:t> an MVC-</a:t>
+            </a:r>
+            <a:r>
+              <a:rPr lang="vi-VN" dirty="0" err="1">
+                <a:latin typeface="Adobe Caslon Pro"/>
+              </a:rPr>
+              <a:t>framework</a:t>
+            </a:r>
+            <a:endParaRPr lang="en-US" dirty="0" err="1">
+              <a:latin typeface="Adobe Caslon Pro"/>
+            </a:endParaRPr>
+          </a:p>
+          <a:p>
+            <a:pPr marL="0" indent="0">
+              <a:buNone/>
+            </a:pPr>
+            <a:r>
+              <a:rPr lang="en-US" dirty="0">
+                <a:latin typeface="Adobe Caslon Pro"/>
+              </a:rPr>
+              <a:t>- React only has the V </a:t>
+            </a:r>
+          </a:p>
+          <a:p>
+            <a:pPr marL="0" indent="0">
+              <a:buNone/>
+            </a:pPr>
+            <a:endParaRPr lang="vi-VN" b="1" dirty="0"/>
+          </a:p>
+          <a:p>
+            <a:pPr marL="0" indent="0">
+              <a:buNone/>
+            </a:pPr>
+            <a:r>
+              <a:rPr lang="vi-VN" b="1" dirty="0" err="1"/>
+              <a:t>Size</a:t>
+            </a:r>
             <a:r>
               <a:rPr lang="vi-VN" b="1" dirty="0"/>
-              <a:t>Size &amp; performance</a:t>
-            </a:r>
-          </a:p>
-          <a:p>
-            <a:r>
-              <a:rPr lang="en-US" dirty="0"/>
-              <a:t>React and </a:t>
-            </a:r>
-            <a:r>
-              <a:rPr lang="en-US" dirty="0" err="1"/>
-              <a:t>Vue</a:t>
-            </a:r>
-            <a:r>
-              <a:rPr lang="en-US" dirty="0"/>
-              <a:t> both have a Virtual DOM , which is supposed to improve performance. </a:t>
-            </a:r>
-          </a:p>
-          <a:p>
-            <a:r>
-              <a:rPr lang="en-US" dirty="0" err="1"/>
-              <a:t>AngularJS</a:t>
-            </a:r>
-            <a:r>
-              <a:rPr lang="en-US" dirty="0"/>
-              <a:t> becomes slow when there are a lot of watchers, because every time anything in the scope changes, all these watchers need to be re-evaluated again</a:t>
-            </a:r>
-            <a:r>
-              <a:rPr lang="en-US" dirty="0"/>
-              <a:t/>
+              <a:t> &amp; </a:t>
+            </a:r>
+            <a:r>
+              <a:rPr lang="vi-VN" b="1" dirty="0" err="1"/>
+              <a:t>performance</a:t>
+            </a:r>
+            <a:endParaRPr lang="en-US" dirty="0" err="1">
+              <a:latin typeface="Perpetua"/>
+              <a:cs typeface="Times New Roman"/>
+            </a:endParaRPr>
+          </a:p>
+          <a:p>
+            <a:pPr marL="0" indent="0">
+              <a:buNone/>
+            </a:pPr>
+            <a:r>
+              <a:rPr lang="en-US" dirty="0">
+                <a:latin typeface="Adobe Caslon Pro"/>
+              </a:rPr>
+              <a:t>- React and Vue both have a Virtual DOM , which is supposed to improve performance. </a:t>
+            </a:r>
+          </a:p>
+          <a:p>
+            <a:pPr marL="0" indent="0">
+              <a:buNone/>
+            </a:pPr>
+            <a:r>
+              <a:rPr lang="en-US" dirty="0">
+                <a:latin typeface="Adobe Caslon Pro"/>
+              </a:rPr>
+              <a:t>- AngularJS becomes slow when there are a lot of watchers, because every time anything in the scope changes, all these watchers need to be re-evaluated again</a:t>
             </a:r>
             <a:br>
-              <a:rPr lang="en-US" dirty="0"/>
+              <a:rPr lang="en-US" dirty="0">
+                <a:latin typeface="Adobe Caslon Pro"/>
+              </a:rPr>
             </a:br>
-            <a:endParaRPr lang="vi-VN" dirty="0"/>
+            <a:endParaRPr lang="vi-VN" dirty="0">
+              <a:latin typeface="Times New Roman"/>
+              <a:cs typeface="Times New Roman"/>
+            </a:endParaRPr>
           </a:p>
         </p:txBody>
       </p:sp>
@@ -3958,18 +4015,27 @@
           </a:xfrm>
         </p:spPr>
         <p:txBody>
-          <a:bodyPr/>
-          <a:lstStyle/>
-          <a:p>
-            <a:r>
-              <a:rPr lang="vi-VN" b="1" dirty="0" smtClean="0"/>
+          <a:bodyPr vert="horz" anchor="t">
+            <a:normAutofit fontScale="92500" lnSpcReduction="10000"/>
+          </a:bodyPr>
+          <a:lstStyle/>
+          <a:p>
+            <a:pPr marL="0" indent="0">
+              <a:buNone/>
+            </a:pPr>
+            <a:r>
+              <a:rPr lang="vi-VN" b="1" dirty="0"/>
               <a:t>Testing</a:t>
             </a:r>
-          </a:p>
-          <a:p>
+            <a:endParaRPr lang="en-US"/>
+          </a:p>
+          <a:p>
+            <a:pPr marL="0" indent="0">
+              <a:buNone/>
+            </a:pPr>
             <a:r>
               <a:rPr lang="en-US" dirty="0"/>
-              <a:t>Facebook </a:t>
+              <a:t>- Facebook </a:t>
             </a:r>
             <a:r>
               <a:rPr lang="en-US" dirty="0">
@@ -3979,19 +4045,212 @@
             </a:r>
             <a:r>
               <a:rPr lang="en-US" dirty="0"/>
-              <a:t> to tests its React </a:t>
-            </a:r>
-            <a:r>
-              <a:rPr lang="en-US" dirty="0" smtClean="0"/>
-              <a:t>code</a:t>
-            </a:r>
-            <a:endParaRPr lang="vi-VN" smtClean="0"/>
-          </a:p>
-          <a:p>
-            <a:endParaRPr lang="vi-VN" b="1" dirty="0"/>
-          </a:p>
-          <a:p>
-            <a:endParaRPr lang="vi-VN" dirty="0"/>
+              <a:t> to tests its React code</a:t>
+            </a:r>
+            <a:endParaRPr lang="vi-VN">
+              <a:latin typeface="Times New Roman"/>
+              <a:cs typeface="Times New Roman"/>
+            </a:endParaRPr>
+          </a:p>
+          <a:p>
+            <a:pPr marL="0" indent="0">
+              <a:buNone/>
+            </a:pPr>
+            <a:r>
+              <a:rPr lang="en-US" b="1" dirty="0">
+                <a:latin typeface="Perpetua"/>
+              </a:rPr>
+              <a:t>- Jasmine</a:t>
+            </a:r>
+            <a:r>
+              <a:rPr lang="en-US" dirty="0">
+                <a:latin typeface="Perpetua"/>
+              </a:rPr>
+              <a:t> as a testing framework in Angular 2</a:t>
+            </a:r>
+          </a:p>
+          <a:p>
+            <a:pPr marL="0" indent="0">
+              <a:buNone/>
+            </a:pPr>
+            <a:r>
+              <a:rPr lang="en-US" dirty="0">
+                <a:latin typeface="Perpetua"/>
+                <a:cs typeface="Times New Roman"/>
+              </a:rPr>
+              <a:t>- Vue lacks testing guidance</a:t>
+            </a:r>
+          </a:p>
+          <a:p>
+            <a:pPr marL="0" indent="0">
+              <a:buNone/>
+            </a:pPr>
+            <a:endParaRPr lang="en-US" dirty="0"/>
+          </a:p>
+          <a:p>
+            <a:pPr marL="0">
+              <a:buNone/>
+            </a:pPr>
+            <a:r>
+              <a:rPr lang="en-US" b="1" dirty="0"/>
+              <a:t>Native apps</a:t>
+            </a:r>
+          </a:p>
+          <a:p>
+            <a:pPr marL="0">
+              <a:buNone/>
+            </a:pPr>
+            <a:r>
+              <a:rPr lang="en-US" dirty="0"/>
+              <a:t>React</a:t>
+            </a:r>
+            <a:r>
+              <a:rPr lang="en-US" dirty="0">
+                <a:latin typeface="Perpetua"/>
+                <a:cs typeface="Times New Roman"/>
+              </a:rPr>
+              <a:t> and Angular both support native development. </a:t>
+            </a:r>
+          </a:p>
+          <a:p>
+            <a:pPr marL="0">
+              <a:buNone/>
+            </a:pPr>
+            <a:r>
+              <a:rPr lang="en-US" dirty="0">
+                <a:latin typeface="Perpetua"/>
+                <a:cs typeface="Times New Roman"/>
+              </a:rPr>
+              <a:t>Angular has </a:t>
+            </a:r>
+            <a:r>
+              <a:rPr lang="en-US" dirty="0">
+                <a:latin typeface="Perpetua"/>
+                <a:cs typeface="Times New Roman"/>
+                <a:hlinkClick r:id="rId3"/>
+              </a:rPr>
+              <a:t>NativeScript</a:t>
+            </a:r>
+            <a:r>
+              <a:rPr lang="en-US" dirty="0">
+                <a:latin typeface="Perpetua"/>
+                <a:cs typeface="Times New Roman"/>
+              </a:rPr>
+              <a:t> (backed by Telerik) for native apps and Ionic Framework for hybrid apps. </a:t>
+            </a:r>
+          </a:p>
+          <a:p>
+            <a:pPr>
+              <a:buNone/>
+            </a:pPr>
+            <a:r>
+              <a:rPr lang="en-US" dirty="0">
+                <a:latin typeface="Perpetua"/>
+                <a:cs typeface="Times New Roman"/>
+              </a:rPr>
+              <a:t>With React, you can check out </a:t>
+            </a:r>
+            <a:r>
+              <a:rPr lang="en-US" dirty="0">
+                <a:latin typeface="Perpetua"/>
+                <a:cs typeface="Times New Roman"/>
+                <a:hlinkClick r:id="rId4"/>
+              </a:rPr>
+              <a:t>react-native-renderer</a:t>
+            </a:r>
+            <a:r>
+              <a:rPr lang="en-US" dirty="0">
+                <a:latin typeface="Perpetua"/>
+                <a:cs typeface="Times New Roman"/>
+              </a:rPr>
+              <a:t> to build cross</a:t>
+            </a:r>
+          </a:p>
+          <a:p>
+            <a:pPr>
+              <a:buNone/>
+            </a:pPr>
+            <a:r>
+              <a:rPr lang="en-US" dirty="0" err="1">
+                <a:latin typeface="Perpetua"/>
+                <a:cs typeface="Times New Roman"/>
+              </a:rPr>
+              <a:t>plattform</a:t>
+            </a:r>
+            <a:r>
+              <a:rPr lang="en-US" dirty="0">
+                <a:latin typeface="Perpetua"/>
+                <a:cs typeface="Times New Roman"/>
+              </a:rPr>
+              <a:t> iOS and Android apps, or </a:t>
+            </a:r>
+            <a:r>
+              <a:rPr lang="en-US" dirty="0">
+                <a:latin typeface="Perpetua"/>
+                <a:cs typeface="Times New Roman"/>
+                <a:hlinkClick r:id="rId5"/>
+              </a:rPr>
+              <a:t>react-native</a:t>
+            </a:r>
+            <a:r>
+              <a:rPr lang="en-US" dirty="0">
+                <a:latin typeface="Perpetua"/>
+                <a:cs typeface="Times New Roman"/>
+              </a:rPr>
+              <a:t> for native apps. </a:t>
+            </a:r>
+          </a:p>
+          <a:p>
+            <a:pPr>
+              <a:buNone/>
+            </a:pPr>
+            <a:r>
+              <a:rPr lang="en-US" dirty="0">
+                <a:latin typeface="Perpetua"/>
+                <a:cs typeface="Times New Roman"/>
+              </a:rPr>
+              <a:t>A lot of apps (including Facebook; check the </a:t>
+            </a:r>
+            <a:r>
+              <a:rPr lang="en-US" dirty="0">
+                <a:latin typeface="Perpetua"/>
+                <a:cs typeface="Times New Roman"/>
+                <a:hlinkClick r:id="rId6"/>
+              </a:rPr>
+              <a:t>Showcase</a:t>
+            </a:r>
+            <a:r>
+              <a:rPr lang="en-US" dirty="0">
+                <a:latin typeface="Perpetua"/>
+                <a:cs typeface="Times New Roman"/>
+              </a:rPr>
+              <a:t> for more)</a:t>
+            </a:r>
+          </a:p>
+          <a:p>
+            <a:pPr>
+              <a:buNone/>
+            </a:pPr>
+            <a:r>
+              <a:rPr lang="en-US" dirty="0">
+                <a:latin typeface="Perpetua"/>
+                <a:cs typeface="Times New Roman"/>
+              </a:rPr>
+              <a:t>are built with react-native.</a:t>
+            </a:r>
+            <a:endParaRPr lang="en-US" dirty="0"/>
+          </a:p>
+          <a:p>
+            <a:endParaRPr lang="vi-VN" b="1" dirty="0">
+              <a:latin typeface="Times New Roman"/>
+              <a:cs typeface="Times New Roman"/>
+            </a:endParaRPr>
+          </a:p>
+          <a:p>
+            <a:endParaRPr lang="vi-VN" dirty="0">
+              <a:latin typeface="Times New Roman"/>
+              <a:cs typeface="Times New Roman"/>
+            </a:endParaRPr>
           </a:p>
         </p:txBody>
       </p:sp>
@@ -4043,7 +4302,7 @@
           <a:lstStyle/>
           <a:p>
             <a:r>
-              <a:rPr lang="en-US" sz="4000" dirty="0" smtClean="0">
+              <a:rPr lang="en-US" sz="4000" dirty="0">
                 <a:latin typeface="Adobe Caslon Pro" pitchFamily="18" charset="0"/>
               </a:rPr>
               <a:t> Introductions</a:t>
@@ -4051,20 +4310,16 @@
           </a:p>
           <a:p>
             <a:r>
-              <a:rPr lang="vi-VN" sz="4000" dirty="0" smtClean="0"/>
-              <a:t> Long-term </a:t>
-            </a:r>
-            <a:r>
               <a:rPr lang="vi-VN" sz="4000" dirty="0"/>
-              <a:t>support &amp; migrations</a:t>
-            </a:r>
-            <a:endParaRPr lang="en-US" sz="4000" dirty="0" smtClean="0">
+              <a:t> Long-term support &amp; migrations</a:t>
+            </a:r>
+            <a:endParaRPr lang="en-US" sz="4000" dirty="0">
               <a:latin typeface="Adobe Caslon Pro" pitchFamily="18" charset="0"/>
             </a:endParaRPr>
           </a:p>
           <a:p>
             <a:r>
-              <a:rPr lang="en-US" sz="4000" b="1" dirty="0" smtClean="0">
+              <a:rPr lang="en-US" sz="4000" b="1" dirty="0">
                 <a:latin typeface="Adobe Caslon Pro" pitchFamily="18" charset="0"/>
               </a:rPr>
               <a:t> Comparison</a:t>
@@ -4072,7 +4327,7 @@
           </a:p>
           <a:p>
             <a:r>
-              <a:rPr lang="en-US" sz="4000" dirty="0" smtClean="0">
+              <a:rPr lang="en-US" sz="4000" dirty="0">
                 <a:latin typeface="Adobe Caslon Pro" pitchFamily="18" charset="0"/>
               </a:rPr>
               <a:t> Examples</a:t>
@@ -4091,13 +4346,6 @@
   <p:clrMapOvr>
     <a:masterClrMapping/>
   </p:clrMapOvr>
-  <p:timing>
-    <p:tnLst>
-      <p:par>
-        <p:cTn id="1" dur="indefinite" restart="never" nodeType="tmRoot"/>
-      </p:par>
-    </p:tnLst>
-  </p:timing>
 </p:sld>
 </file>
 
@@ -4135,7 +4383,7 @@
           </a:xfrm>
         </p:spPr>
         <p:txBody>
-          <a:bodyPr>
+          <a:bodyPr vert="horz" anchor="t">
             <a:normAutofit/>
           </a:bodyPr>
           <a:lstStyle/>
@@ -4144,7 +4392,7 @@
               <a:buNone/>
             </a:pPr>
             <a:r>
-              <a:rPr lang="en-US" sz="2800" b="1" dirty="0" smtClean="0">
+              <a:rPr lang="en-US" sz="2800" b="1" dirty="0">
                 <a:effectLst>
                   <a:outerShdw blurRad="38100" dist="38100" dir="2700000" algn="tl">
                     <a:srgbClr val="000000">
@@ -4156,13 +4404,13 @@
               </a:rPr>
               <a:t>INTRODUCTIONS</a:t>
             </a:r>
-            <a:endParaRPr lang="en-US" b="1" dirty="0" smtClean="0">
+            <a:endParaRPr lang="en-US" b="1" dirty="0">
               <a:latin typeface="Adobe Caslon Pro" pitchFamily="18" charset="0"/>
             </a:endParaRPr>
           </a:p>
           <a:p>
             <a:r>
-              <a:rPr lang="en-US" sz="2800" b="1" dirty="0" smtClean="0">
+              <a:rPr lang="en-US" sz="2800" b="1" dirty="0">
                 <a:latin typeface="Adobe Caslon Pro" pitchFamily="18" charset="0"/>
               </a:rPr>
               <a:t>Angular</a:t>
@@ -4171,206 +4419,121 @@
               <a:rPr lang="en-US" sz="2800" dirty="0">
                 <a:latin typeface="Adobe Caslon Pro" pitchFamily="18" charset="0"/>
               </a:rPr>
-              <a:t> is a </a:t>
-            </a:r>
-            <a:r>
-              <a:rPr lang="en-US" sz="2800" dirty="0" err="1">
+              <a:t> </a:t>
+            </a:r>
+            <a:r>
+              <a:rPr lang="en-US" dirty="0">
                 <a:latin typeface="Adobe Caslon Pro" pitchFamily="18" charset="0"/>
               </a:rPr>
-              <a:t>TypeScript</a:t>
+              <a:t>is a TypeScript-based </a:t>
+            </a:r>
+            <a:r>
+              <a:rPr lang="en-US" dirty="0" err="1">
+                <a:latin typeface="Adobe Caslon Pro" pitchFamily="18" charset="0"/>
+              </a:rPr>
+              <a:t>Javascript</a:t>
+            </a:r>
+            <a:r>
+              <a:rPr lang="en-US" dirty="0">
+                <a:latin typeface="Adobe Caslon Pro" pitchFamily="18" charset="0"/>
+              </a:rPr>
+              <a:t> framework. Developed and maintained by Google</a:t>
+            </a:r>
+          </a:p>
+          <a:p>
+            <a:r>
+              <a:rPr lang="en-US" sz="2800" b="1" dirty="0">
+                <a:latin typeface="Adobe Caslon Pro" pitchFamily="18" charset="0"/>
+              </a:rPr>
+              <a:t>React</a:t>
             </a:r>
             <a:r>
               <a:rPr lang="en-US" sz="2800" dirty="0">
                 <a:latin typeface="Adobe Caslon Pro" pitchFamily="18" charset="0"/>
               </a:rPr>
-              <a:t>-based </a:t>
-            </a:r>
-            <a:r>
-              <a:rPr lang="en-US" sz="2800" dirty="0" err="1">
+              <a:t> </a:t>
+            </a:r>
+            <a:r>
+              <a:rPr lang="en-US" dirty="0">
                 <a:latin typeface="Adobe Caslon Pro" pitchFamily="18" charset="0"/>
               </a:rPr>
-              <a:t>Javascript</a:t>
+              <a:t>is described as “</a:t>
+            </a:r>
+            <a:r>
+              <a:rPr lang="en-US" i="1" dirty="0">
+                <a:latin typeface="Adobe Caslon Pro" pitchFamily="18" charset="0"/>
+              </a:rPr>
+              <a:t>a JavaScript library for building user interfaces</a:t>
+            </a:r>
+            <a:r>
+              <a:rPr lang="en-US" dirty="0">
+                <a:latin typeface="Adobe Caslon Pro" pitchFamily="18" charset="0"/>
+              </a:rPr>
+              <a:t>”. Initially released in March 2013, React was developed and is maintained by Facebook</a:t>
+            </a:r>
+          </a:p>
+          <a:p>
+            <a:r>
+              <a:rPr lang="en-US" sz="2800" b="1" dirty="0">
+                <a:latin typeface="Adobe Caslon Pro" pitchFamily="18" charset="0"/>
+              </a:rPr>
+              <a:t>Vue</a:t>
             </a:r>
             <a:r>
               <a:rPr lang="en-US" sz="2800" dirty="0">
                 <a:latin typeface="Adobe Caslon Pro" pitchFamily="18" charset="0"/>
               </a:rPr>
-              <a:t> framework. Developed and maintained by </a:t>
-            </a:r>
-            <a:r>
-              <a:rPr lang="en-US" sz="2800" dirty="0" smtClean="0">
+              <a:t> </a:t>
+            </a:r>
+            <a:r>
+              <a:rPr lang="en-US" dirty="0">
                 <a:latin typeface="Adobe Caslon Pro" pitchFamily="18" charset="0"/>
               </a:rPr>
-              <a:t>Google</a:t>
-            </a:r>
-          </a:p>
-          <a:p>
-            <a:r>
-              <a:rPr lang="en-US" sz="2800" b="1" dirty="0">
+              <a:t>is one of the most rapidly growing JS frameworks in 2016. Vue describes itself as a “</a:t>
+            </a:r>
+            <a:r>
+              <a:rPr lang="en-US" i="1" dirty="0">
                 <a:latin typeface="Adobe Caslon Pro" pitchFamily="18" charset="0"/>
               </a:rPr>
-              <a:t>React</a:t>
-            </a:r>
-            <a:r>
-              <a:rPr lang="en-US" sz="2800" dirty="0">
-                <a:latin typeface="Adobe Caslon Pro" pitchFamily="18" charset="0"/>
-              </a:rPr>
-              <a:t> is described as “</a:t>
-            </a:r>
-            <a:r>
-              <a:rPr lang="en-US" sz="2800" i="1" dirty="0">
-                <a:latin typeface="Adobe Caslon Pro" pitchFamily="18" charset="0"/>
-              </a:rPr>
-              <a:t>a JavaScript library for building user interfaces</a:t>
-            </a:r>
-            <a:r>
-              <a:rPr lang="en-US" sz="2800" dirty="0">
-                <a:latin typeface="Adobe Caslon Pro" pitchFamily="18" charset="0"/>
-              </a:rPr>
-              <a:t>”. Initially released in March 2013, React was developed and is maintained by </a:t>
-            </a:r>
-            <a:r>
-              <a:rPr lang="en-US" sz="2800" dirty="0" smtClean="0">
-                <a:latin typeface="Adobe Caslon Pro" pitchFamily="18" charset="0"/>
-              </a:rPr>
-              <a:t>Facebook</a:t>
-            </a:r>
-          </a:p>
-          <a:p>
-            <a:r>
-              <a:rPr lang="en-US" sz="2800" b="1" dirty="0" err="1">
-                <a:latin typeface="Adobe Caslon Pro" pitchFamily="18" charset="0"/>
-              </a:rPr>
-              <a:t>Vue</a:t>
-            </a:r>
-            <a:r>
-              <a:rPr lang="en-US" sz="2800" dirty="0">
-                <a:latin typeface="Adobe Caslon Pro" pitchFamily="18" charset="0"/>
-              </a:rPr>
-              <a:t> is one of the most rapidly growing JS frameworks in 2016. </a:t>
-            </a:r>
-            <a:r>
-              <a:rPr lang="en-US" sz="2800" dirty="0" err="1">
-                <a:latin typeface="Adobe Caslon Pro" pitchFamily="18" charset="0"/>
-              </a:rPr>
-              <a:t>Vue</a:t>
-            </a:r>
-            <a:r>
-              <a:rPr lang="en-US" sz="2800" dirty="0">
-                <a:latin typeface="Adobe Caslon Pro" pitchFamily="18" charset="0"/>
-              </a:rPr>
-              <a:t> describes itself as a “</a:t>
-            </a:r>
-            <a:r>
-              <a:rPr lang="en-US" sz="2800" i="1" dirty="0">
-                <a:latin typeface="Adobe Caslon Pro" pitchFamily="18" charset="0"/>
-              </a:rPr>
-              <a:t>Intuitive, Fast and </a:t>
-            </a:r>
-            <a:r>
-              <a:rPr lang="en-US" sz="2800" i="1" dirty="0" err="1">
-                <a:latin typeface="Adobe Caslon Pro" pitchFamily="18" charset="0"/>
-              </a:rPr>
-              <a:t>Composable</a:t>
-            </a:r>
-            <a:r>
-              <a:rPr lang="en-US" sz="2800" i="1" dirty="0">
-                <a:latin typeface="Adobe Caslon Pro" pitchFamily="18" charset="0"/>
-              </a:rPr>
-              <a:t> </a:t>
-            </a:r>
-            <a:r>
-              <a:rPr lang="en-US" sz="2800" i="1" dirty="0">
+              <a:t>Intuitive, Fast and Composable </a:t>
+            </a:r>
+            <a:r>
+              <a:rPr lang="en-US" i="1" dirty="0">
                 <a:latin typeface="Adobe Caslon Pro" pitchFamily="18" charset="0"/>
                 <a:hlinkClick r:id="rId2"/>
               </a:rPr>
               <a:t>MVVM</a:t>
             </a:r>
             <a:r>
-              <a:rPr lang="en-US" sz="2800" i="1" dirty="0">
+              <a:rPr lang="en-US" i="1" dirty="0">
                 <a:latin typeface="Adobe Caslon Pro" pitchFamily="18" charset="0"/>
               </a:rPr>
               <a:t> for building interactive interfaces</a:t>
             </a:r>
             <a:r>
-              <a:rPr lang="en-US" sz="2800" dirty="0">
+              <a:rPr lang="en-US" dirty="0">
                 <a:latin typeface="Adobe Caslon Pro" pitchFamily="18" charset="0"/>
               </a:rPr>
               <a:t>.” It was first released in February 2014 by ex-Google-employee </a:t>
             </a:r>
             <a:r>
-              <a:rPr lang="en-US" sz="2800" dirty="0">
+              <a:rPr lang="en-US" dirty="0">
                 <a:latin typeface="Adobe Caslon Pro" pitchFamily="18" charset="0"/>
                 <a:hlinkClick r:id="rId3"/>
               </a:rPr>
-              <a:t>Evan </a:t>
-            </a:r>
-            <a:r>
-              <a:rPr lang="en-US" sz="2800" dirty="0" smtClean="0">
+              <a:t>Evan You</a:t>
+            </a:r>
+            <a:r>
+              <a:rPr lang="en-US" dirty="0">
                 <a:latin typeface="Adobe Caslon Pro" pitchFamily="18" charset="0"/>
-                <a:hlinkClick r:id="rId3"/>
-              </a:rPr>
-              <a:t>You</a:t>
-            </a:r>
-            <a:r>
-              <a:rPr lang="en-US" sz="2800" dirty="0" smtClean="0">
+              </a:rPr>
+              <a:t>. </a:t>
+            </a:r>
+            <a:r>
+              <a:rPr lang="en-US" i="1" dirty="0">
                 <a:latin typeface="Adobe Caslon Pro" pitchFamily="18" charset="0"/>
               </a:rPr>
-              <a:t>. </a:t>
-            </a:r>
-            <a:r>
-              <a:rPr lang="en-US" sz="2800" i="1" dirty="0" err="1" smtClean="0">
-                <a:latin typeface="Adobe Caslon Pro" pitchFamily="18" charset="0"/>
-              </a:rPr>
-              <a:t>Vue</a:t>
-            </a:r>
-            <a:r>
-              <a:rPr lang="en-US" sz="2800" i="1" dirty="0" smtClean="0">
-                <a:latin typeface="Adobe Caslon Pro" pitchFamily="18" charset="0"/>
-              </a:rPr>
-              <a:t> </a:t>
-            </a:r>
-            <a:r>
-              <a:rPr lang="en-US" sz="2800" i="1" dirty="0">
-                <a:latin typeface="Adobe Caslon Pro" pitchFamily="18" charset="0"/>
-              </a:rPr>
-              <a:t>is used by </a:t>
-            </a:r>
-            <a:r>
-              <a:rPr lang="en-US" sz="2800" i="1" dirty="0" err="1">
-                <a:latin typeface="Adobe Caslon Pro" pitchFamily="18" charset="0"/>
-              </a:rPr>
-              <a:t>Alibaba</a:t>
-            </a:r>
-            <a:r>
-              <a:rPr lang="en-US" sz="2800" i="1" dirty="0">
-                <a:latin typeface="Adobe Caslon Pro" pitchFamily="18" charset="0"/>
-              </a:rPr>
-              <a:t>, </a:t>
-            </a:r>
-            <a:r>
-              <a:rPr lang="en-US" sz="2800" i="1" dirty="0" err="1">
-                <a:latin typeface="Adobe Caslon Pro" pitchFamily="18" charset="0"/>
-              </a:rPr>
-              <a:t>Baidu</a:t>
-            </a:r>
-            <a:r>
-              <a:rPr lang="en-US" sz="2800" i="1" dirty="0">
-                <a:latin typeface="Adobe Caslon Pro" pitchFamily="18" charset="0"/>
-              </a:rPr>
-              <a:t>, Expedia, Nintendo, </a:t>
-            </a:r>
-            <a:r>
-              <a:rPr lang="en-US" sz="2800" i="1" dirty="0" err="1">
-                <a:latin typeface="Adobe Caslon Pro" pitchFamily="18" charset="0"/>
-              </a:rPr>
-              <a:t>GitLab</a:t>
-            </a:r>
-            <a:r>
-              <a:rPr lang="en-US" sz="2800" i="1" dirty="0">
-                <a:latin typeface="Adobe Caslon Pro" pitchFamily="18" charset="0"/>
-              </a:rPr>
-              <a:t> </a:t>
+              <a:t>Vue is used by Alibaba, Baidu, Expedia, Nintendo, GitLab </a:t>
             </a:r>
           </a:p>
         </p:txBody>
@@ -4385,13 +4548,6 @@
   <p:clrMapOvr>
     <a:masterClrMapping/>
   </p:clrMapOvr>
-  <p:timing>
-    <p:tnLst>
-      <p:par>
-        <p:cTn id="1" dur="indefinite" restart="never" nodeType="tmRoot"/>
-      </p:par>
-    </p:tnLst>
-  </p:timing>
 </p:sld>
 </file>
 
@@ -4486,13 +4642,6 @@
   <p:clrMapOvr>
     <a:masterClrMapping/>
   </p:clrMapOvr>
-  <p:timing>
-    <p:tnLst>
-      <p:par>
-        <p:cTn id="1" dur="indefinite" restart="never" nodeType="tmRoot"/>
-      </p:par>
-    </p:tnLst>
-  </p:timing>
 </p:sld>
 </file>
 
@@ -4599,11 +4748,11 @@
           <a:lstStyle/>
           <a:p>
             <a:r>
-              <a:rPr lang="vi-VN" b="1" dirty="0" smtClean="0"/>
+              <a:rPr lang="vi-VN" b="1" dirty="0"/>
               <a:t> </a:t>
             </a:r>
             <a:r>
-              <a:rPr lang="vi-VN" b="1" dirty="0" smtClean="0">
+              <a:rPr lang="vi-VN" b="1" dirty="0">
                 <a:hlinkClick r:id="rId3"/>
               </a:rPr>
               <a:t>Npm Trends</a:t>
@@ -4622,13 +4771,6 @@
   <p:clrMapOvr>
     <a:masterClrMapping/>
   </p:clrMapOvr>
-  <p:timing>
-    <p:tnLst>
-      <p:par>
-        <p:cTn id="1" dur="indefinite" restart="never" nodeType="tmRoot"/>
-      </p:par>
-    </p:tnLst>
-  </p:timing>
 </p:sld>
 </file>
 
@@ -4674,13 +4816,7 @@
               <a:rPr lang="vi-VN" dirty="0">
                 <a:hlinkClick r:id="rId2"/>
               </a:rPr>
-              <a:t>Stackoverflow 2017 </a:t>
-            </a:r>
-            <a:r>
-              <a:rPr lang="vi-VN" dirty="0" smtClean="0">
-                <a:hlinkClick r:id="rId2"/>
-              </a:rPr>
-              <a:t>survey</a:t>
+              <a:t>Stackoverflow 2017 survey</a:t>
             </a:r>
             <a:endParaRPr lang="vi-VN" dirty="0"/>
           </a:p>
@@ -4760,13 +4896,6 @@
   <p:clrMapOvr>
     <a:masterClrMapping/>
   </p:clrMapOvr>
-  <p:timing>
-    <p:tnLst>
-      <p:par>
-        <p:cTn id="1" dur="indefinite" restart="never" nodeType="tmRoot"/>
-      </p:par>
-    </p:tnLst>
-  </p:timing>
 </p:sld>
 </file>
 
@@ -4811,11 +4940,7 @@
           <a:p>
             <a:r>
               <a:rPr lang="vi-VN" b="1" dirty="0"/>
-              <a:t>Long-term support &amp; </a:t>
-            </a:r>
-            <a:r>
-              <a:rPr lang="vi-VN" b="1" dirty="0" smtClean="0"/>
-              <a:t>migrations</a:t>
+              <a:t>Long-term support &amp; migrations</a:t>
             </a:r>
             <a:endParaRPr lang="vi-VN" dirty="0"/>
           </a:p>
@@ -4838,8 +4963,8 @@
           </a:xfrm>
         </p:spPr>
         <p:txBody>
-          <a:bodyPr>
-            <a:normAutofit fontScale="62500" lnSpcReduction="20000"/>
+          <a:bodyPr vert="horz" anchor="t">
+            <a:normAutofit fontScale="55000" lnSpcReduction="20000"/>
           </a:bodyPr>
           <a:lstStyle/>
           <a:p>
@@ -4847,7 +4972,7 @@
               <a:buNone/>
             </a:pPr>
             <a:r>
-              <a:rPr lang="en-US" b="1" dirty="0" smtClean="0">
+              <a:rPr lang="en-US" b="1" dirty="0">
                 <a:solidFill>
                   <a:srgbClr val="FF0000"/>
                 </a:solidFill>
@@ -4861,55 +4986,30 @@
               <a:buNone/>
             </a:pPr>
             <a:r>
-              <a:rPr lang="en-US" dirty="0" smtClean="0">
-                <a:latin typeface="Adobe Caslon Pro" pitchFamily="18" charset="0"/>
-              </a:rPr>
-              <a:t>- React </a:t>
-            </a:r>
-            <a:r>
               <a:rPr lang="en-US" dirty="0">
                 <a:latin typeface="Adobe Caslon Pro" pitchFamily="18" charset="0"/>
               </a:rPr>
-              <a:t>APIs are quite </a:t>
-            </a:r>
-            <a:r>
-              <a:rPr lang="en-US" dirty="0" smtClean="0">
-                <a:latin typeface="Adobe Caslon Pro" pitchFamily="18" charset="0"/>
-              </a:rPr>
-              <a:t>stable</a:t>
+              <a:t>- React APIs are quite stable</a:t>
             </a:r>
           </a:p>
           <a:p>
             <a:pPr marL="0" indent="0">
               <a:buNone/>
             </a:pPr>
-            <a:r>
-              <a:rPr lang="en-US" dirty="0" smtClean="0">
-                <a:latin typeface="Adobe Caslon Pro" pitchFamily="18" charset="0"/>
-              </a:rPr>
-              <a:t>- There </a:t>
-            </a:r>
             <a:r>
               <a:rPr lang="en-US" dirty="0">
                 <a:latin typeface="Adobe Caslon Pro" pitchFamily="18" charset="0"/>
               </a:rPr>
-              <a:t>are also some scripts to help you move from your current API to a newer one: check out </a:t>
-            </a:r>
-            <a:r>
-              <a:rPr lang="en-US" dirty="0" smtClean="0">
+              <a:t>- There are also some scripts to help you move from your current API to a newer one: check out </a:t>
+            </a:r>
+            <a:r>
+              <a:rPr lang="en-US" dirty="0">
                 <a:latin typeface="Adobe Caslon Pro" pitchFamily="18" charset="0"/>
                 <a:hlinkClick r:id="rId2"/>
               </a:rPr>
-              <a:t>react-</a:t>
-            </a:r>
-            <a:r>
-              <a:rPr lang="en-US" dirty="0" err="1" smtClean="0">
-                <a:latin typeface="Adobe Caslon Pro" pitchFamily="18" charset="0"/>
-                <a:hlinkClick r:id="rId2"/>
-              </a:rPr>
-              <a:t>codemod</a:t>
-            </a:r>
-            <a:endParaRPr lang="en-US" dirty="0" smtClean="0">
+              <a:t>react-codemod</a:t>
+            </a:r>
+            <a:endParaRPr lang="en-US" dirty="0">
               <a:latin typeface="Adobe Caslon Pro" pitchFamily="18" charset="0"/>
             </a:endParaRPr>
           </a:p>
@@ -4918,54 +5018,18 @@
               <a:buNone/>
             </a:pPr>
             <a:r>
-              <a:rPr lang="en-US" dirty="0" smtClean="0">
-                <a:latin typeface="Adobe Caslon Pro" pitchFamily="18" charset="0"/>
-              </a:rPr>
-              <a:t>- V14 </a:t>
-            </a:r>
-            <a:r>
               <a:rPr lang="en-US" dirty="0">
                 <a:latin typeface="Adobe Caslon Pro" pitchFamily="18" charset="0"/>
               </a:rPr>
-              <a:t>was released in October 2015, </a:t>
-            </a:r>
-            <a:r>
-              <a:rPr lang="en-US" dirty="0" smtClean="0">
-                <a:latin typeface="Adobe Caslon Pro" pitchFamily="18" charset="0"/>
-              </a:rPr>
-              <a:t>V15 </a:t>
-            </a:r>
-            <a:r>
-              <a:rPr lang="en-US" dirty="0">
-                <a:latin typeface="Adobe Caslon Pro" pitchFamily="18" charset="0"/>
-              </a:rPr>
-              <a:t>was published in April 2016, and </a:t>
-            </a:r>
-            <a:r>
-              <a:rPr lang="en-US" dirty="0" smtClean="0">
-                <a:latin typeface="Adobe Caslon Pro" pitchFamily="18" charset="0"/>
-              </a:rPr>
-              <a:t>V16 </a:t>
-            </a:r>
-            <a:r>
-              <a:rPr lang="en-US" dirty="0">
-                <a:latin typeface="Adobe Caslon Pro" pitchFamily="18" charset="0"/>
-              </a:rPr>
-              <a:t>does not have a release date </a:t>
-            </a:r>
-            <a:r>
-              <a:rPr lang="en-US" dirty="0" smtClean="0">
-                <a:latin typeface="Adobe Caslon Pro" pitchFamily="18" charset="0"/>
-              </a:rPr>
-              <a:t>yet</a:t>
-            </a:r>
-          </a:p>
-          <a:p>
-            <a:pPr marL="0" indent="0">
+              <a:t>- V14 was released in October 2015, V15 was published in April 2016, and V16 does not have a release date yet</a:t>
+            </a:r>
+          </a:p>
+          <a:p>
+            <a:pPr marL="0" indent="0" algn="ctr">
               <a:buNone/>
             </a:pPr>
             <a:r>
-              <a:rPr lang="en-US" b="1" dirty="0" smtClean="0">
+              <a:rPr lang="en-US" b="1" dirty="0">
                 <a:solidFill>
                   <a:srgbClr val="FF0000"/>
                 </a:solidFill>
@@ -4979,7 +5043,7 @@
               <a:buNone/>
             </a:pPr>
             <a:r>
-              <a:rPr lang="en-US" b="1" dirty="0" smtClean="0">
+              <a:rPr lang="en-US" b="1" dirty="0">
                 <a:solidFill>
                   <a:srgbClr val="FF0000"/>
                 </a:solidFill>
@@ -4987,7 +5051,71 @@
               </a:rPr>
               <a:t>Angular</a:t>
             </a:r>
-            <a:endParaRPr lang="en-US" b="1" dirty="0">
+          </a:p>
+          <a:p>
+            <a:pPr>
+              <a:buFontTx/>
+              <a:buChar char="-"/>
+            </a:pPr>
+            <a:r>
+              <a:rPr lang="en-US" dirty="0">
+                <a:latin typeface="Adobe Caslon Pro" pitchFamily="18" charset="0"/>
+              </a:rPr>
+              <a:t>Starting with the v2 release. </a:t>
+            </a:r>
+          </a:p>
+          <a:p>
+            <a:pPr>
+              <a:buFontTx/>
+              <a:buChar char="-"/>
+            </a:pPr>
+            <a:r>
+              <a:rPr lang="en-US" dirty="0">
+                <a:latin typeface="Adobe Caslon Pro" pitchFamily="18" charset="0"/>
+              </a:rPr>
+              <a:t>There will be one major update every six months, and there will be a deprecation period of at least six months </a:t>
+            </a:r>
+          </a:p>
+          <a:p>
+            <a:pPr>
+              <a:buFontTx/>
+              <a:buChar char="-"/>
+            </a:pPr>
+            <a:r>
+              <a:rPr lang="en-US" dirty="0">
+                <a:latin typeface="Adobe Caslon Pro" pitchFamily="18" charset="0"/>
+              </a:rPr>
+              <a:t>The angular team has announced long-term-support versions starting with angular 4.</a:t>
+            </a:r>
+          </a:p>
+          <a:p>
+            <a:pPr marL="0" indent="0" algn="ctr">
+              <a:buNone/>
+            </a:pPr>
+            <a:r>
+              <a:rPr lang="en-US" dirty="0">
+                <a:solidFill>
+                  <a:srgbClr val="D34817"/>
+                </a:solidFill>
+                <a:latin typeface="Adobe Caslon Pro" pitchFamily="18" charset="0"/>
+              </a:rPr>
+              <a:t>-----------------------------------------------------------------------------------------------</a:t>
+            </a:r>
+          </a:p>
+          <a:p>
+            <a:pPr marL="0" indent="0">
+              <a:buNone/>
+            </a:pPr>
+            <a:r>
+              <a:rPr lang="en-US" b="1" dirty="0">
+                <a:solidFill>
+                  <a:srgbClr val="FF0000"/>
+                </a:solidFill>
+                <a:latin typeface="Adobe Caslon Pro" pitchFamily="18" charset="0"/>
+              </a:rPr>
+              <a:t>Vue</a:t>
+            </a:r>
+            <a:endParaRPr lang="en-US" b="1">
               <a:solidFill>
                 <a:srgbClr val="FF0000"/>
               </a:solidFill>
@@ -5003,23 +5131,21 @@
               <a:rPr lang="en-US" dirty="0">
                 <a:latin typeface="Adobe Caslon Pro" pitchFamily="18" charset="0"/>
               </a:rPr>
-              <a:t>S</a:t>
-            </a:r>
-            <a:r>
-              <a:rPr lang="en-US" dirty="0" smtClean="0">
-                <a:latin typeface="Adobe Caslon Pro" pitchFamily="18" charset="0"/>
-              </a:rPr>
-              <a:t>tarting </a:t>
+              <a:t> The update process for Vue 1.x to 2.0 should be easy for a small app — the developer team has asserted </a:t>
             </a:r>
             <a:r>
               <a:rPr lang="en-US" dirty="0">
                 <a:latin typeface="Adobe Caslon Pro" pitchFamily="18" charset="0"/>
-              </a:rPr>
-              <a:t>with the v2 release. </a:t>
-            </a:r>
-            <a:endParaRPr lang="en-US" dirty="0" smtClean="0">
-              <a:latin typeface="Adobe Caslon Pro" pitchFamily="18" charset="0"/>
-            </a:endParaRPr>
+                <a:hlinkClick r:id="rId3"/>
+              </a:rPr>
+              <a:t>that 90% of the APIs</a:t>
+            </a:r>
+            <a:r>
+              <a:rPr lang="en-US" dirty="0">
+                <a:latin typeface="Adobe Caslon Pro" pitchFamily="18" charset="0"/>
+              </a:rPr>
+              <a:t> stayed the same.</a:t>
+            </a:r>
           </a:p>
           <a:p>
             <a:pPr>
@@ -5027,132 +5153,9 @@
               <a:buChar char="-"/>
             </a:pPr>
             <a:r>
-              <a:rPr lang="en-US" dirty="0" smtClean="0">
-                <a:latin typeface="Adobe Caslon Pro" pitchFamily="18" charset="0"/>
-              </a:rPr>
-              <a:t>There </a:t>
-            </a:r>
-            <a:r>
               <a:rPr lang="en-US" dirty="0">
-                <a:latin typeface="Adobe Caslon Pro" pitchFamily="18" charset="0"/>
-              </a:rPr>
-              <a:t>will be one major update every six months, and there will be a deprecation period of at least six months </a:t>
-            </a:r>
-            <a:endParaRPr lang="en-US" dirty="0" smtClean="0">
-              <a:latin typeface="Adobe Caslon Pro" pitchFamily="18" charset="0"/>
-            </a:endParaRPr>
-          </a:p>
-          <a:p>
-            <a:pPr>
-              <a:buFontTx/>
-              <a:buChar char="-"/>
-            </a:pPr>
-            <a:r>
-              <a:rPr lang="en-US" dirty="0">
-                <a:latin typeface="Adobe Caslon Pro" pitchFamily="18" charset="0"/>
-              </a:rPr>
-              <a:t>T</a:t>
-            </a:r>
-            <a:r>
-              <a:rPr lang="en-US" dirty="0" smtClean="0">
-                <a:latin typeface="Adobe Caslon Pro" pitchFamily="18" charset="0"/>
-              </a:rPr>
-              <a:t>he </a:t>
-            </a:r>
-            <a:r>
-              <a:rPr lang="en-US" dirty="0">
-                <a:latin typeface="Adobe Caslon Pro" pitchFamily="18" charset="0"/>
-              </a:rPr>
-              <a:t>angular team has announced long-term-support versions starting with angular 4</a:t>
-            </a:r>
-            <a:r>
-              <a:rPr lang="en-US" dirty="0" smtClean="0">
-                <a:latin typeface="Adobe Caslon Pro" pitchFamily="18" charset="0"/>
-              </a:rPr>
-              <a:t>.</a:t>
-            </a:r>
-          </a:p>
-          <a:p>
-            <a:pPr marL="0" indent="0">
-              <a:buNone/>
-            </a:pPr>
-            <a:r>
-              <a:rPr lang="en-US" dirty="0" smtClean="0">
-                <a:solidFill>
-                  <a:srgbClr val="FF0000"/>
-                </a:solidFill>
-                <a:latin typeface="Adobe Caslon Pro" pitchFamily="18" charset="0"/>
-              </a:rPr>
-              <a:t>---------------------------------------------------------------------------------------------</a:t>
-            </a:r>
-            <a:r>
-              <a:rPr lang="en-US" dirty="0" smtClean="0">
-                <a:latin typeface="Adobe Caslon Pro" pitchFamily="18" charset="0"/>
-              </a:rPr>
-              <a:t>--</a:t>
-            </a:r>
-          </a:p>
-          <a:p>
-            <a:r>
-              <a:rPr lang="en-US" b="1" dirty="0" err="1">
-                <a:solidFill>
-                  <a:srgbClr val="FF0000"/>
-                </a:solidFill>
-                <a:latin typeface="Adobe Caslon Pro" pitchFamily="18" charset="0"/>
-              </a:rPr>
-              <a:t>Vue</a:t>
-            </a:r>
-            <a:endParaRPr lang="en-US" b="1" dirty="0">
-              <a:solidFill>
-                <a:srgbClr val="FF0000"/>
-              </a:solidFill>
-              <a:latin typeface="Adobe Caslon Pro" pitchFamily="18" charset="0"/>
-            </a:endParaRPr>
-          </a:p>
-          <a:p>
-            <a:pPr>
-              <a:buFontTx/>
-              <a:buChar char="-"/>
-            </a:pPr>
-            <a:r>
-              <a:rPr lang="en-US" dirty="0">
-                <a:latin typeface="Adobe Caslon Pro" pitchFamily="18" charset="0"/>
-              </a:rPr>
-              <a:t> The update process for </a:t>
-            </a:r>
-            <a:r>
-              <a:rPr lang="en-US" dirty="0" err="1">
-                <a:latin typeface="Adobe Caslon Pro" pitchFamily="18" charset="0"/>
-              </a:rPr>
-              <a:t>Vue</a:t>
-            </a:r>
-            <a:r>
-              <a:rPr lang="en-US" dirty="0">
-                <a:latin typeface="Adobe Caslon Pro" pitchFamily="18" charset="0"/>
-              </a:rPr>
-              <a:t> 1.x to 2.0 should be easy for a small app — the developer team has asserted </a:t>
-            </a:r>
-            <a:r>
-              <a:rPr lang="en-US" dirty="0">
-                <a:latin typeface="Adobe Caslon Pro" pitchFamily="18" charset="0"/>
-                <a:hlinkClick r:id="rId3"/>
-              </a:rPr>
-              <a:t>that 90% of the APIs</a:t>
-            </a:r>
-            <a:r>
-              <a:rPr lang="en-US" dirty="0">
-                <a:latin typeface="Adobe Caslon Pro" pitchFamily="18" charset="0"/>
-              </a:rPr>
-              <a:t> stayed the same.</a:t>
-            </a:r>
-          </a:p>
-          <a:p>
-            <a:pPr>
-              <a:buFontTx/>
-              <a:buChar char="-"/>
-            </a:pPr>
-            <a:r>
-              <a:rPr lang="en-US" dirty="0"/>
+                <a:latin typeface="Adobe Caslon Pro"/>
+              </a:rPr>
               <a:t> </a:t>
             </a:r>
             <a:r>
@@ -5185,6 +5188,9 @@
             </a:endParaRPr>
           </a:p>
           <a:p>
+            <a:pPr marL="0" indent="0">
+              <a:buNone/>
+            </a:pPr>
             <a:r>
               <a:rPr lang="en-US" dirty="0">
                 <a:sym typeface="Wingdings" pitchFamily="2" charset="2"/>
@@ -5195,13 +5201,7 @@
               <a:rPr lang="en-US" sz="3200" b="1" i="1" u="sng" dirty="0">
                 <a:latin typeface="Adobe Caslon Pro" pitchFamily="18" charset="0"/>
               </a:rPr>
-              <a:t>you need to take care of the corresponding updates and migrations on your </a:t>
-            </a:r>
-            <a:r>
-              <a:rPr lang="en-US" sz="3200" b="1" i="1" u="sng" dirty="0" smtClean="0">
-                <a:latin typeface="Adobe Caslon Pro" pitchFamily="18" charset="0"/>
-              </a:rPr>
-              <a:t>own</a:t>
+              <a:t>you need to take care of the corresponding updates and migrations on your own</a:t>
             </a:r>
             <a:endParaRPr lang="vi-VN" sz="3200" b="1" i="1" u="sng" dirty="0">
               <a:latin typeface="Adobe Caslon Pro" pitchFamily="18" charset="0"/>
@@ -5219,13 +5219,6 @@
   <p:clrMapOvr>
     <a:masterClrMapping/>
   </p:clrMapOvr>
-  <p:timing>
-    <p:tnLst>
-      <p:par>
-        <p:cTn id="1" dur="indefinite" restart="never" nodeType="tmRoot"/>
-      </p:par>
-    </p:tnLst>
-  </p:timing>
 </p:sld>
 </file>
 
@@ -5283,7 +5276,7 @@
               <a:t>Comparison of React, Angular &amp; </a:t>
             </a:r>
             <a:r>
-              <a:rPr lang="en-US" sz="3200" b="1" dirty="0" err="1" smtClean="0">
+              <a:rPr lang="en-US" sz="3200" b="1" dirty="0" err="1">
                 <a:effectLst>
                   <a:outerShdw blurRad="38100" dist="38100" dir="2700000" algn="tl">
                     <a:srgbClr val="000000">
@@ -5324,7 +5317,7 @@
           </a:xfrm>
         </p:spPr>
         <p:txBody>
-          <a:bodyPr>
+          <a:bodyPr vert="horz" anchor="t">
             <a:normAutofit fontScale="92500" lnSpcReduction="10000"/>
           </a:bodyPr>
           <a:lstStyle/>
@@ -5333,10 +5326,9 @@
               <a:buNone/>
             </a:pPr>
             <a:r>
-              <a:rPr lang="vi-VN" sz="2800" b="1" dirty="0" smtClean="0"/>
+              <a:rPr lang="vi-VN" sz="2800" b="1" dirty="0"/>
               <a:t>Components</a:t>
             </a:r>
-            <a:endParaRPr lang="vi-VN" sz="2800" b="1" dirty="0"/>
           </a:p>
           <a:p>
             <a:pPr>
@@ -5344,22 +5336,10 @@
               <a:buChar char="-"/>
             </a:pPr>
             <a:r>
-              <a:rPr lang="en-US" sz="2800" dirty="0" smtClean="0">
+              <a:rPr lang="en-US" dirty="0">
                 <a:latin typeface="Adobe Caslon Pro" pitchFamily="18" charset="0"/>
               </a:rPr>
-              <a:t>The </a:t>
-            </a:r>
-            <a:r>
-              <a:rPr lang="en-US" sz="2800" dirty="0">
-                <a:latin typeface="Adobe Caslon Pro" pitchFamily="18" charset="0"/>
-              </a:rPr>
-              <a:t>frameworks in question are all component-based</a:t>
-            </a:r>
-            <a:r>
-              <a:rPr lang="en-US" sz="2800" dirty="0" smtClean="0">
-                <a:latin typeface="Adobe Caslon Pro" pitchFamily="18" charset="0"/>
-              </a:rPr>
-              <a:t>.</a:t>
+              <a:t>The frameworks in question are all component-based.</a:t>
             </a:r>
           </a:p>
           <a:p>
@@ -5368,56 +5348,22 @@
               <a:buChar char="-"/>
             </a:pPr>
             <a:r>
-              <a:rPr lang="en-US" sz="2800" dirty="0" smtClean="0">
+              <a:rPr lang="en-US" dirty="0">
                 <a:latin typeface="Adobe Caslon Pro" pitchFamily="18" charset="0"/>
               </a:rPr>
-              <a:t>React </a:t>
-            </a:r>
-            <a:r>
-              <a:rPr lang="en-US" sz="2800" dirty="0">
+              <a:t>React and Vue both excel at handling dumb components </a:t>
+            </a:r>
+            <a:r>
+              <a:rPr lang="vi-VN" dirty="0">
+                <a:latin typeface="Adobe Caslon Pro"/>
+              </a:rPr>
+              <a:t>(very re-usable) </a:t>
+            </a:r>
+            <a:r>
+              <a:rPr lang="en-US" dirty="0">
                 <a:latin typeface="Adobe Caslon Pro" pitchFamily="18" charset="0"/>
               </a:rPr>
-              <a:t>and </a:t>
-            </a:r>
-            <a:r>
-              <a:rPr lang="en-US" sz="2800" dirty="0" err="1">
-                <a:latin typeface="Adobe Caslon Pro" pitchFamily="18" charset="0"/>
-              </a:rPr>
-              <a:t>Vue</a:t>
-            </a:r>
-            <a:r>
-              <a:rPr lang="en-US" sz="2800" dirty="0">
-                <a:latin typeface="Adobe Caslon Pro" pitchFamily="18" charset="0"/>
-              </a:rPr>
-              <a:t> both excel at handling dumb </a:t>
-            </a:r>
-            <a:r>
-              <a:rPr lang="en-US" sz="2800" dirty="0" smtClean="0">
-                <a:latin typeface="Adobe Caslon Pro" pitchFamily="18" charset="0"/>
-              </a:rPr>
-              <a:t>components </a:t>
-            </a:r>
-            <a:r>
-              <a:rPr lang="vi-VN" sz="2800" dirty="0"/>
-              <a:t>(very re-usable) </a:t>
-            </a:r>
-            <a:r>
-              <a:rPr lang="en-US" sz="2800" dirty="0" smtClean="0">
-                <a:latin typeface="Adobe Caslon Pro" pitchFamily="18" charset="0"/>
-              </a:rPr>
-              <a:t>: </a:t>
-            </a:r>
-            <a:r>
-              <a:rPr lang="en-US" sz="2800" dirty="0">
-                <a:latin typeface="Adobe Caslon Pro" pitchFamily="18" charset="0"/>
-              </a:rPr>
-              <a:t>small, stateless functions that receive an input and return elements as output</a:t>
-            </a:r>
-            <a:r>
-              <a:rPr lang="en-US" sz="2800" dirty="0" smtClean="0">
-                <a:latin typeface="Adobe Caslon Pro" pitchFamily="18" charset="0"/>
-              </a:rPr>
-              <a:t>.</a:t>
+              <a:t>: small, stateless functions that receive an input and return elements as output.</a:t>
             </a:r>
           </a:p>
           <a:p>
@@ -5426,13 +5372,8 @@
             </a:pPr>
             <a:r>
               <a:rPr lang="vi-VN" sz="2800" b="1" dirty="0"/>
-              <a:t>Typescript vs. ES6 vs. </a:t>
-            </a:r>
-            <a:r>
-              <a:rPr lang="vi-VN" sz="2800" b="1" dirty="0" smtClean="0"/>
-              <a:t>ES5</a:t>
-            </a:r>
-            <a:endParaRPr lang="vi-VN" sz="2800" b="1" dirty="0"/>
+              <a:t>Typescript vs. ES6 vs. ES5</a:t>
+            </a:r>
           </a:p>
           <a:p>
             <a:pPr>
@@ -5440,21 +5381,21 @@
               <a:buChar char="-"/>
             </a:pPr>
             <a:r>
-              <a:rPr lang="vi-VN" sz="2800" dirty="0" smtClean="0"/>
-              <a:t>Angular </a:t>
-            </a:r>
-            <a:r>
-              <a:rPr lang="vi-VN" sz="2800" dirty="0"/>
-              <a:t>relies on </a:t>
-            </a:r>
-            <a:r>
-              <a:rPr lang="vi-VN" sz="2800" b="1" dirty="0"/>
+              <a:rPr lang="vi-VN" dirty="0"/>
+              <a:t>Angular relies on </a:t>
+            </a:r>
+            <a:r>
+              <a:rPr lang="vi-VN" b="1" dirty="0"/>
               <a:t>TypeScript</a:t>
             </a:r>
             <a:r>
-              <a:rPr lang="vi-VN" sz="2800" dirty="0" smtClean="0"/>
+              <a:rPr lang="vi-VN" dirty="0"/>
               <a:t>.</a:t>
             </a:r>
+            <a:endParaRPr lang="vi-VN" dirty="0">
+              <a:latin typeface="Times New Roman"/>
+              <a:cs typeface="Times New Roman"/>
+            </a:endParaRPr>
           </a:p>
           <a:p>
             <a:pPr>
@@ -5462,26 +5403,17 @@
               <a:buChar char="-"/>
             </a:pPr>
             <a:r>
-              <a:rPr lang="vi-VN" sz="2800" dirty="0">
+              <a:rPr lang="vi-VN" dirty="0">
                 <a:latin typeface="Adobe Caslon Pro" pitchFamily="18" charset="0"/>
               </a:rPr>
               <a:t>React and Vue </a:t>
             </a:r>
             <a:r>
-              <a:rPr lang="en-US" sz="2800" dirty="0">
+              <a:rPr lang="en-US" dirty="0">
                 <a:latin typeface="Adobe Caslon Pro" pitchFamily="18" charset="0"/>
               </a:rPr>
-              <a:t>support ES5, ES6, or even </a:t>
-            </a:r>
-            <a:r>
-              <a:rPr lang="en-US" sz="2800" dirty="0" err="1">
-                <a:latin typeface="Adobe Caslon Pro" pitchFamily="18" charset="0"/>
-              </a:rPr>
-              <a:t>TypeScript</a:t>
-            </a:r>
-            <a:endParaRPr lang="en-US" sz="2800" dirty="0">
-              <a:latin typeface="Adobe Caslon Pro" pitchFamily="18" charset="0"/>
-            </a:endParaRPr>
+              <a:t>support ES5, ES6, or even TypeScript</a:t>
+            </a:r>
           </a:p>
           <a:p>
             <a:pPr marL="0" indent="0">
@@ -5489,13 +5421,8 @@
             </a:pPr>
             <a:r>
               <a:rPr lang="vi-VN" sz="2800" b="1" dirty="0"/>
-              <a:t>Templates — JSX or </a:t>
-            </a:r>
-            <a:r>
-              <a:rPr lang="vi-VN" sz="2800" b="1" dirty="0" smtClean="0"/>
-              <a:t>HTML</a:t>
-            </a:r>
-            <a:endParaRPr lang="vi-VN" sz="2800" b="1" dirty="0"/>
+              <a:t>Templates — JSX or HTML</a:t>
+            </a:r>
           </a:p>
           <a:p>
             <a:pPr>
@@ -5503,7 +5430,7 @@
               <a:buChar char="-"/>
             </a:pPr>
             <a:r>
-              <a:rPr lang="en-US" sz="2800" dirty="0">
+              <a:rPr lang="en-US" dirty="0">
                 <a:latin typeface="Adobe Caslon Pro" pitchFamily="18" charset="0"/>
               </a:rPr>
               <a:t>JSX implies that everything in React</a:t>
@@ -5515,31 +5442,31 @@
               <a:buChar char="-"/>
             </a:pPr>
             <a:r>
-              <a:rPr lang="en-US" sz="2800" dirty="0">
+              <a:rPr lang="en-US" dirty="0">
                 <a:latin typeface="Adobe Caslon Pro" pitchFamily="18" charset="0"/>
               </a:rPr>
               <a:t>The Angular templates are enhanced HTML with special Angular language (Things like </a:t>
             </a:r>
             <a:r>
-              <a:rPr lang="en-US" sz="2800" dirty="0" err="1">
+              <a:rPr lang="en-US" dirty="0" err="1">
                 <a:latin typeface="Adobe Caslon Pro" pitchFamily="18" charset="0"/>
               </a:rPr>
               <a:t>ngIf</a:t>
             </a:r>
             <a:r>
-              <a:rPr lang="en-US" sz="2800" dirty="0">
+              <a:rPr lang="en-US" dirty="0">
                 <a:latin typeface="Adobe Caslon Pro" pitchFamily="18" charset="0"/>
               </a:rPr>
               <a:t> or </a:t>
             </a:r>
             <a:r>
-              <a:rPr lang="en-US" sz="2800" dirty="0" err="1">
+              <a:rPr lang="en-US" dirty="0" err="1">
                 <a:latin typeface="Adobe Caslon Pro" pitchFamily="18" charset="0"/>
               </a:rPr>
               <a:t>ngFor</a:t>
             </a:r>
             <a:r>
-              <a:rPr lang="en-US" sz="2800" dirty="0">
+              <a:rPr lang="en-US" dirty="0">
                 <a:latin typeface="Adobe Caslon Pro" pitchFamily="18" charset="0"/>
               </a:rPr>
               <a:t>)</a:t>
@@ -5551,20 +5478,20 @@
               <a:buChar char="-"/>
             </a:pPr>
             <a:r>
-              <a:rPr lang="vi-VN" sz="2800" dirty="0">
+              <a:rPr lang="vi-VN" dirty="0">
                 <a:latin typeface="Adobe Caslon Pro" pitchFamily="18" charset="0"/>
               </a:rPr>
               <a:t>Vue features “s</a:t>
             </a:r>
             <a:r>
-              <a:rPr lang="vi-VN" sz="2800" dirty="0">
+              <a:rPr lang="vi-VN" dirty="0">
                 <a:latin typeface="Adobe Caslon Pro" pitchFamily="18" charset="0"/>
                 <a:hlinkClick r:id="rId2"/>
               </a:rPr>
               <a:t>ingle-file components</a:t>
             </a:r>
             <a:r>
-              <a:rPr lang="vi-VN" sz="2800" dirty="0">
+              <a:rPr lang="vi-VN" dirty="0">
                 <a:latin typeface="Adobe Caslon Pro" pitchFamily="18" charset="0"/>
               </a:rPr>
               <a:t>”</a:t>
@@ -5594,13 +5521,6 @@
   <p:clrMapOvr>
     <a:masterClrMapping/>
   </p:clrMapOvr>
-  <p:timing>
-    <p:tnLst>
-      <p:par>
-        <p:cTn id="1" dur="indefinite" restart="never" nodeType="tmRoot"/>
-      </p:par>
-    </p:tnLst>
-  </p:timing>
 </p:sld>
 </file>
 
@@ -5638,57 +5558,69 @@
           </a:xfrm>
         </p:spPr>
         <p:txBody>
-          <a:bodyPr>
-            <a:normAutofit lnSpcReduction="10000"/>
+          <a:bodyPr vert="horz" anchor="t">
+            <a:normAutofit/>
           </a:bodyPr>
           <a:lstStyle/>
           <a:p>
+            <a:pPr marL="0" indent="0">
+              <a:buNone/>
+            </a:pPr>
             <a:r>
               <a:rPr lang="vi-VN" b="1" dirty="0"/>
               <a:t>Framework vs. library</a:t>
             </a:r>
-          </a:p>
-          <a:p>
+            <a:endParaRPr lang="en-US"/>
+          </a:p>
+          <a:p>
+            <a:pPr marL="0" indent="0">
+              <a:buNone/>
+            </a:pPr>
             <a:r>
               <a:rPr lang="vi-VN" dirty="0"/>
-              <a:t>Angular is a </a:t>
-            </a:r>
-            <a:r>
-              <a:rPr lang="vi-VN" dirty="0" smtClean="0"/>
+              <a:t>- </a:t>
+            </a:r>
+            <a:r>
+              <a:rPr lang="vi-VN" dirty="0" err="1"/>
+              <a:t>Angular</a:t>
+            </a:r>
+            <a:r>
+              <a:rPr lang="vi-VN" dirty="0"/>
+              <a:t> </a:t>
+            </a:r>
+            <a:r>
+              <a:rPr lang="vi-VN" dirty="0" err="1"/>
+              <a:t>is</a:t>
+            </a:r>
+            <a:r>
+              <a:rPr lang="vi-VN" dirty="0"/>
+              <a:t> a </a:t>
+            </a:r>
+            <a:r>
+              <a:rPr lang="vi-VN" dirty="0" err="1"/>
               <a:t>framework</a:t>
             </a:r>
-          </a:p>
-          <a:p>
+            <a:endParaRPr lang="vi-VN" dirty="0" err="1">
+              <a:latin typeface="Times New Roman"/>
+              <a:cs typeface="Times New Roman"/>
+            </a:endParaRPr>
+          </a:p>
+          <a:p>
+            <a:pPr marL="0" indent="0">
+              <a:buNone/>
+            </a:pPr>
             <a:r>
               <a:rPr lang="en-US" dirty="0"/>
-              <a:t>React and </a:t>
-            </a:r>
-            <a:r>
-              <a:rPr lang="en-US" dirty="0" err="1"/>
-              <a:t>Vue</a:t>
-            </a:r>
+              <a:t>- React and Vue share many similarities:</a:t>
+            </a:r>
+          </a:p>
+          <a:p>
+            <a:pPr marL="0" indent="0">
+              <a:buNone/>
+            </a:pPr>
             <a:r>
               <a:rPr lang="en-US" dirty="0"/>
-              <a:t> share many </a:t>
-            </a:r>
-            <a:r>
-              <a:rPr lang="en-US" dirty="0" smtClean="0"/>
-              <a:t>similarities</a:t>
-            </a:r>
-            <a:endParaRPr lang="en-US" dirty="0"/>
-          </a:p>
-          <a:p>
-            <a:pPr marL="514350" indent="-514350">
-              <a:buFont typeface="+mj-lt"/>
-              <a:buAutoNum type="arabicPeriod"/>
-            </a:pPr>
-            <a:r>
-              <a:rPr lang="en-US" dirty="0"/>
-              <a:t>maintain focus in the core library, with concerns such as routing and global state management handled by companion </a:t>
-            </a:r>
-            <a:r>
-              <a:rPr lang="en-US" dirty="0" smtClean="0"/>
-              <a:t>libraries</a:t>
+              <a:t>  maintain focus in the core library, with concerns such as routing and global state management handled by companion libraries</a:t>
             </a:r>
           </a:p>
           <a:p>
@@ -5698,6 +5630,9 @@
             <a:endParaRPr lang="en-US" dirty="0"/>
           </a:p>
           <a:p>
+            <a:pPr marL="0" indent="0">
+              <a:buNone/>
+            </a:pPr>
             <a:r>
               <a:rPr lang="en-US" b="1" dirty="0">
                 <a:hlinkClick r:id="rId2" tooltip="Data binding"/>
@@ -5707,37 +5642,22 @@
             <a:endParaRPr lang="en-US" b="1" dirty="0"/>
           </a:p>
           <a:p>
-            <a:r>
-              <a:rPr lang="en-US" dirty="0" err="1"/>
-              <a:t>AngularJS</a:t>
-            </a:r>
+            <a:pPr marL="0" indent="0">
+              <a:buNone/>
+            </a:pPr>
             <a:r>
               <a:rPr lang="en-US" dirty="0"/>
-              <a:t> uses two-way binding between scopes, while </a:t>
-            </a:r>
-            <a:r>
-              <a:rPr lang="en-US" dirty="0" err="1"/>
-              <a:t>Vue</a:t>
-            </a:r>
+              <a:t>- AngularJS uses two-way binding between scopes, while Vue enforces a one-way data flow between components. This makes the flow of data easier to reason about in non-trivial applications.</a:t>
+            </a:r>
+          </a:p>
+          <a:p>
+            <a:pPr marL="0" indent="0">
+              <a:buNone/>
+            </a:pPr>
             <a:r>
               <a:rPr lang="en-US" dirty="0"/>
-              <a:t> enforces a one-way data flow between components. This makes the flow of data easier to reason about in non-trivial applications</a:t>
-            </a:r>
-            <a:r>
-              <a:rPr lang="en-US" dirty="0" smtClean="0"/>
-              <a:t>.</a:t>
-            </a:r>
-          </a:p>
-          <a:p>
-            <a:r>
-              <a:rPr lang="en-US" dirty="0"/>
-              <a:t>React often works bundled with </a:t>
-            </a:r>
-            <a:r>
-              <a:rPr lang="en-US" dirty="0" err="1"/>
-              <a:t>Redux</a:t>
-            </a:r>
-            <a:endParaRPr lang="en-US" dirty="0"/>
+              <a:t>- React often works bundled with Redux</a:t>
+            </a:r>
           </a:p>
           <a:p>
             <a:pPr marL="0" indent="0">
@@ -5757,13 +5677,6 @@
   <p:clrMapOvr>
     <a:masterClrMapping/>
   </p:clrMapOvr>
-  <p:timing>
-    <p:tnLst>
-      <p:par>
-        <p:cTn id="1" dur="indefinite" restart="never" nodeType="tmRoot"/>
-      </p:par>
-    </p:tnLst>
-  </p:timing>
 </p:sld>
 </file>
 
